--- a/Проект самокат bruh.pptx
+++ b/Проект самокат bruh.pptx
@@ -5,7 +5,7 @@
     <p:sldMasterId id="2147483648" r:id="rId1"/>
   </p:sldMasterIdLst>
   <p:notesMasterIdLst>
-    <p:notesMasterId r:id="rId15"/>
+    <p:notesMasterId r:id="rId5"/>
   </p:notesMasterIdLst>
   <p:handoutMasterIdLst>
     <p:handoutMasterId r:id="rId16"/>
@@ -13,16 +13,16 @@
   <p:sldIdLst>
     <p:sldId id="256" r:id="rId3"/>
     <p:sldId id="257" r:id="rId4"/>
-    <p:sldId id="258" r:id="rId5"/>
-    <p:sldId id="259" r:id="rId6"/>
-    <p:sldId id="270" r:id="rId7"/>
-    <p:sldId id="260" r:id="rId8"/>
-    <p:sldId id="263" r:id="rId9"/>
-    <p:sldId id="265" r:id="rId10"/>
-    <p:sldId id="266" r:id="rId11"/>
-    <p:sldId id="267" r:id="rId12"/>
-    <p:sldId id="268" r:id="rId13"/>
-    <p:sldId id="269" r:id="rId14"/>
+    <p:sldId id="258" r:id="rId6"/>
+    <p:sldId id="274" r:id="rId7"/>
+    <p:sldId id="270" r:id="rId8"/>
+    <p:sldId id="260" r:id="rId9"/>
+    <p:sldId id="263" r:id="rId10"/>
+    <p:sldId id="265" r:id="rId11"/>
+    <p:sldId id="266" r:id="rId12"/>
+    <p:sldId id="267" r:id="rId13"/>
+    <p:sldId id="275" r:id="rId14"/>
+    <p:sldId id="269" r:id="rId15"/>
   </p:sldIdLst>
   <p:sldSz cx="12192000" cy="6858000"/>
   <p:notesSz cx="7103745" cy="10234295"/>
@@ -124,7 +124,7 @@
   <p:extLst>
     <p:ext uri="{EFAFB233-063F-42B5-8137-9DF3F51BA10A}">
       <p15:sldGuideLst xmlns:p15="http://schemas.microsoft.com/office/powerpoint/2012/main">
-        <p15:guide id="1" orient="horz" pos="2160" userDrawn="1">
+        <p15:guide id="1" orient="horz" pos="2122" userDrawn="1">
           <p15:clr>
             <a:srgbClr val="A4A3A4"/>
           </p15:clr>
@@ -643,6 +643,54 @@
     </a:lvl9pPr>
   </p:notesStyle>
 </p:notesMaster>
+</file>
+
+<file path=ppt/notesSlides/notesSlide1.xml><?xml version="1.0" encoding="utf-8"?>
+<p:notes xmlns:a="http://schemas.openxmlformats.org/drawingml/2006/main" xmlns:r="http://schemas.openxmlformats.org/officeDocument/2006/relationships" xmlns:p="http://schemas.openxmlformats.org/presentationml/2006/main">
+  <p:cSld>
+    <p:spTree>
+      <p:nvGrpSpPr>
+        <p:cNvPr id="1" name=""/>
+        <p:cNvGrpSpPr/>
+        <p:nvPr/>
+      </p:nvGrpSpPr>
+      <p:grpSpPr/>
+      <p:sp>
+        <p:nvSpPr>
+          <p:cNvPr id="2" name="Замещающий образ слайда 1"/>
+          <p:cNvSpPr>
+            <a:spLocks noGrp="1"/>
+          </p:cNvSpPr>
+          <p:nvPr>
+            <p:ph type="sldImg" idx="2"/>
+          </p:nvPr>
+        </p:nvSpPr>
+        <p:spPr/>
+      </p:sp>
+      <p:sp>
+        <p:nvSpPr>
+          <p:cNvPr id="3" name="Замещающий текст 2"/>
+          <p:cNvSpPr>
+            <a:spLocks noGrp="1"/>
+          </p:cNvSpPr>
+          <p:nvPr>
+            <p:ph type="body" idx="3"/>
+          </p:nvPr>
+        </p:nvSpPr>
+        <p:spPr/>
+        <p:txBody>
+          <a:bodyPr/>
+          <a:p>
+            <a:endParaRPr lang="ru-RU" altLang="en-US"/>
+          </a:p>
+        </p:txBody>
+      </p:sp>
+    </p:spTree>
+  </p:cSld>
+  <p:clrMapOvr>
+    <a:masterClrMapping/>
+  </p:clrMapOvr>
+</p:notes>
 </file>
 
 <file path=ppt/slideLayouts/slideLayout1.xml><?xml version="1.0" encoding="utf-8"?>
@@ -3695,6 +3743,22 @@
 <file path=ppt/slides/slide1.xml><?xml version="1.0" encoding="utf-8"?>
 <p:sld xmlns:a="http://schemas.openxmlformats.org/drawingml/2006/main" xmlns:r="http://schemas.openxmlformats.org/officeDocument/2006/relationships" xmlns:p="http://schemas.openxmlformats.org/presentationml/2006/main">
   <p:cSld>
+    <p:bg>
+      <p:bgPr>
+        <a:gradFill>
+          <a:gsLst>
+            <a:gs pos="0">
+              <a:srgbClr val="FE4444"/>
+            </a:gs>
+            <a:gs pos="100000">
+              <a:srgbClr val="832B2B"/>
+            </a:gs>
+          </a:gsLst>
+          <a:lin ang="0" scaled="0"/>
+        </a:gradFill>
+        <a:effectLst/>
+      </p:bgPr>
+    </p:bg>
     <p:spTree>
       <p:nvGrpSpPr>
         <p:cNvPr id="1" name=""/>
@@ -3722,10 +3786,34 @@
           <a:bodyPr/>
           <a:p>
             <a:r>
-              <a:rPr lang="ru-RU" altLang="en-US" sz="3200"/>
-              <a:t>Веб-приложение «Самокат»</a:t>
-            </a:r>
-            <a:endParaRPr lang="ru-RU" altLang="en-US" sz="3200"/>
+              <a:rPr lang="ru-RU" altLang="en-US" sz="3200">
+                <a:solidFill>
+                  <a:schemeClr val="bg1"/>
+                </a:solidFill>
+              </a:rPr>
+              <a:t>Веб-приложение «</a:t>
+            </a:r>
+            <a:r>
+              <a:rPr lang="en-US" altLang="ru-RU" sz="3200">
+                <a:solidFill>
+                  <a:schemeClr val="bg1"/>
+                </a:solidFill>
+              </a:rPr>
+              <a:t>Zamokat</a:t>
+            </a:r>
+            <a:r>
+              <a:rPr lang="ru-RU" altLang="en-US" sz="3200">
+                <a:solidFill>
+                  <a:schemeClr val="bg1"/>
+                </a:solidFill>
+              </a:rPr>
+              <a:t>»</a:t>
+            </a:r>
+            <a:endParaRPr lang="ru-RU" altLang="en-US" sz="3200">
+              <a:solidFill>
+                <a:schemeClr val="bg1"/>
+              </a:solidFill>
+            </a:endParaRPr>
           </a:p>
         </p:txBody>
       </p:sp>
@@ -3752,36 +3840,67 @@
           <a:p>
             <a:pPr algn="r"/>
             <a:r>
-              <a:rPr lang="ru-RU" altLang="en-US"/>
+              <a:rPr lang="ru-RU" altLang="en-US">
+                <a:solidFill>
+                  <a:schemeClr val="bg1"/>
+                </a:solidFill>
+              </a:rPr>
               <a:t>Гугин И.</a:t>
             </a:r>
-            <a:endParaRPr lang="ru-RU" altLang="en-US"/>
+            <a:endParaRPr lang="ru-RU" altLang="en-US">
+              <a:solidFill>
+                <a:schemeClr val="bg1"/>
+              </a:solidFill>
+            </a:endParaRPr>
           </a:p>
           <a:p>
             <a:pPr algn="r"/>
             <a:r>
-              <a:rPr lang="ru-RU" altLang="en-US"/>
+              <a:rPr lang="ru-RU" altLang="en-US">
+                <a:solidFill>
+                  <a:schemeClr val="bg1"/>
+                </a:solidFill>
+              </a:rPr>
               <a:t>Наплавков А.</a:t>
             </a:r>
-            <a:endParaRPr lang="ru-RU" altLang="en-US"/>
+            <a:endParaRPr lang="ru-RU" altLang="en-US">
+              <a:solidFill>
+                <a:schemeClr val="bg1"/>
+              </a:solidFill>
+            </a:endParaRPr>
           </a:p>
           <a:p>
             <a:pPr algn="r"/>
             <a:r>
               <a:rPr lang="ru-RU" altLang="en-US">
+                <a:solidFill>
+                  <a:schemeClr val="bg1"/>
+                </a:solidFill>
                 <a:sym typeface="+mn-ea"/>
               </a:rPr>
               <a:t>Антипин Р.</a:t>
             </a:r>
-            <a:endParaRPr lang="ru-RU" altLang="en-US"/>
+            <a:endParaRPr lang="ru-RU" altLang="en-US">
+              <a:solidFill>
+                <a:schemeClr val="bg1"/>
+              </a:solidFill>
+            </a:endParaRPr>
           </a:p>
           <a:p>
             <a:pPr algn="r"/>
             <a:r>
-              <a:rPr lang="ru-RU" altLang="en-US"/>
+              <a:rPr lang="ru-RU" altLang="en-US">
+                <a:solidFill>
+                  <a:schemeClr val="bg1"/>
+                </a:solidFill>
+              </a:rPr>
               <a:t>23-ПМ-1</a:t>
             </a:r>
-            <a:endParaRPr lang="ru-RU" altLang="en-US"/>
+            <a:endParaRPr lang="ru-RU" altLang="en-US">
+              <a:solidFill>
+                <a:schemeClr val="bg1"/>
+              </a:solidFill>
+            </a:endParaRPr>
           </a:p>
         </p:txBody>
       </p:sp>
@@ -3808,26 +3927,50 @@
           <a:p>
             <a:pPr algn="ctr"/>
             <a:r>
-              <a:rPr lang="ru-RU" altLang="en-US"/>
+              <a:rPr lang="ru-RU" altLang="en-US">
+                <a:solidFill>
+                  <a:schemeClr val="bg1"/>
+                </a:solidFill>
+              </a:rPr>
               <a:t>НГТУ им. Р. Е. Алексеева</a:t>
             </a:r>
-            <a:endParaRPr lang="ru-RU" altLang="en-US"/>
+            <a:endParaRPr lang="ru-RU" altLang="en-US">
+              <a:solidFill>
+                <a:schemeClr val="bg1"/>
+              </a:solidFill>
+            </a:endParaRPr>
           </a:p>
           <a:p>
             <a:pPr algn="ctr"/>
             <a:r>
-              <a:rPr lang="ru-RU" altLang="en-US"/>
+              <a:rPr lang="ru-RU" altLang="en-US">
+                <a:solidFill>
+                  <a:schemeClr val="bg1"/>
+                </a:solidFill>
+              </a:rPr>
               <a:t>Институт радиоэлектроники и информационных технологий</a:t>
             </a:r>
-            <a:endParaRPr lang="ru-RU" altLang="en-US"/>
+            <a:endParaRPr lang="ru-RU" altLang="en-US">
+              <a:solidFill>
+                <a:schemeClr val="bg1"/>
+              </a:solidFill>
+            </a:endParaRPr>
           </a:p>
           <a:p>
             <a:pPr algn="ctr"/>
             <a:r>
-              <a:rPr lang="ru-RU" altLang="en-US"/>
+              <a:rPr lang="ru-RU" altLang="en-US">
+                <a:solidFill>
+                  <a:schemeClr val="bg1"/>
+                </a:solidFill>
+              </a:rPr>
               <a:t>Кафедра «Прикладная математика и информатика»</a:t>
             </a:r>
-            <a:endParaRPr lang="en-US" altLang="en-US"/>
+            <a:endParaRPr lang="ru-RU" altLang="en-US">
+              <a:solidFill>
+                <a:schemeClr val="bg1"/>
+              </a:solidFill>
+            </a:endParaRPr>
           </a:p>
         </p:txBody>
       </p:sp>
@@ -3842,6 +3985,22 @@
 <file path=ppt/slides/slide10.xml><?xml version="1.0" encoding="utf-8"?>
 <p:sld xmlns:a="http://schemas.openxmlformats.org/drawingml/2006/main" xmlns:r="http://schemas.openxmlformats.org/officeDocument/2006/relationships" xmlns:p="http://schemas.openxmlformats.org/presentationml/2006/main">
   <p:cSld>
+    <p:bg>
+      <p:bgPr>
+        <a:gradFill>
+          <a:gsLst>
+            <a:gs pos="0">
+              <a:srgbClr val="FE4444"/>
+            </a:gs>
+            <a:gs pos="100000">
+              <a:srgbClr val="832B2B"/>
+            </a:gs>
+          </a:gsLst>
+          <a:lin scaled="0"/>
+        </a:gradFill>
+        <a:effectLst/>
+      </p:bgPr>
+    </p:bg>
     <p:spTree>
       <p:nvGrpSpPr>
         <p:cNvPr id="1" name=""/>
@@ -3868,38 +4027,6 @@
           </a:p>
         </p:txBody>
       </p:sp>
-      <p:pic>
-        <p:nvPicPr>
-          <p:cNvPr id="18" name="Замещающее содержимое 17"/>
-          <p:cNvPicPr>
-            <a:picLocks noChangeAspect="1"/>
-          </p:cNvPicPr>
-          <p:nvPr>
-            <p:ph sz="half" idx="1"/>
-          </p:nvPr>
-        </p:nvPicPr>
-        <p:blipFill>
-          <a:blip r:embed="rId1"/>
-          <a:srcRect r="51201" b="52462"/>
-          <a:stretch>
-            <a:fillRect/>
-          </a:stretch>
-        </p:blipFill>
-        <p:spPr>
-          <a:xfrm>
-            <a:off x="647700" y="1584325"/>
-            <a:ext cx="5181600" cy="2914650"/>
-          </a:xfrm>
-          <a:prstGeom prst="rect">
-            <a:avLst/>
-          </a:prstGeom>
-          <a:ln>
-            <a:solidFill>
-              <a:srgbClr val="FF0000"/>
-            </a:solidFill>
-          </a:ln>
-        </p:spPr>
-      </p:pic>
       <p:sp>
         <p:nvSpPr>
           <p:cNvPr id="9" name="Текстовое поле 8"/>
@@ -3908,7 +4035,7 @@
         </p:nvSpPr>
         <p:spPr>
           <a:xfrm>
-            <a:off x="2384425" y="4749800"/>
+            <a:off x="2384425" y="6016625"/>
             <a:ext cx="7042150" cy="368300"/>
           </a:xfrm>
           <a:prstGeom prst="rect">
@@ -3923,43 +4050,89 @@
           <a:p>
             <a:pPr algn="ctr"/>
             <a:r>
-              <a:rPr lang="ru-RU" altLang="ru-RU"/>
-              <a:t>Рис. 5. Обновление базы данных «Самокат» по прошествии 3 часов</a:t>
-            </a:r>
-            <a:endParaRPr lang="ru-RU" altLang="ru-RU"/>
+              <a:rPr lang="ru-RU" altLang="ru-RU">
+                <a:solidFill>
+                  <a:schemeClr val="bg1"/>
+                </a:solidFill>
+              </a:rPr>
+              <a:t>Рис. 5. Обновление базы данных «</a:t>
+            </a:r>
+            <a:r>
+              <a:rPr lang="en-US" altLang="ru-RU">
+                <a:solidFill>
+                  <a:schemeClr val="bg1"/>
+                </a:solidFill>
+                <a:sym typeface="+mn-ea"/>
+              </a:rPr>
+              <a:t>Zamokat</a:t>
+            </a:r>
+            <a:r>
+              <a:rPr lang="ru-RU" altLang="ru-RU">
+                <a:solidFill>
+                  <a:schemeClr val="bg1"/>
+                </a:solidFill>
+              </a:rPr>
+              <a:t>» по прошествии 3 часов</a:t>
+            </a:r>
+            <a:endParaRPr lang="ru-RU" altLang="ru-RU">
+              <a:solidFill>
+                <a:schemeClr val="bg1"/>
+              </a:solidFill>
+            </a:endParaRPr>
           </a:p>
         </p:txBody>
       </p:sp>
       <p:pic>
         <p:nvPicPr>
-          <p:cNvPr id="4" name="Замещающее содержимое 3"/>
+          <p:cNvPr id="7" name="Замещающее содержимое 6"/>
           <p:cNvPicPr>
             <a:picLocks noChangeAspect="1"/>
           </p:cNvPicPr>
           <p:nvPr>
-            <p:ph sz="half" idx="2"/>
+            <p:ph sz="half" idx="1"/>
           </p:nvPr>
         </p:nvPicPr>
         <p:blipFill>
-          <a:blip r:embed="rId2"/>
-          <a:srcRect r="50355" b="50370"/>
+          <a:blip r:embed="rId1"/>
           <a:stretch>
             <a:fillRect/>
           </a:stretch>
         </p:blipFill>
         <p:spPr>
           <a:xfrm>
-            <a:off x="5981700" y="1584325"/>
-            <a:ext cx="5181600" cy="2914015"/>
+            <a:off x="1609090" y="1584325"/>
+            <a:ext cx="5181600" cy="4260850"/>
           </a:xfrm>
           <a:prstGeom prst="rect">
             <a:avLst/>
           </a:prstGeom>
-          <a:ln>
-            <a:solidFill>
-              <a:srgbClr val="FF0000"/>
-            </a:solidFill>
-          </a:ln>
+        </p:spPr>
+      </p:pic>
+      <p:pic>
+        <p:nvPicPr>
+          <p:cNvPr id="10" name="Замещающее содержимое 9"/>
+          <p:cNvPicPr>
+            <a:picLocks noChangeAspect="1"/>
+          </p:cNvPicPr>
+          <p:nvPr>
+            <p:ph sz="half" idx="2"/>
+          </p:nvPr>
+        </p:nvPicPr>
+        <p:blipFill>
+          <a:blip r:embed="rId2"/>
+          <a:srcRect b="2087"/>
+          <a:stretch>
+            <a:fillRect/>
+          </a:stretch>
+        </p:blipFill>
+        <p:spPr>
+          <a:xfrm>
+            <a:off x="7138670" y="1584325"/>
+            <a:ext cx="2867025" cy="4260850"/>
+          </a:xfrm>
+          <a:prstGeom prst="rect">
+            <a:avLst/>
+          </a:prstGeom>
         </p:spPr>
       </p:pic>
     </p:spTree>
@@ -3973,6 +4146,22 @@
 <file path=ppt/slides/slide11.xml><?xml version="1.0" encoding="utf-8"?>
 <p:sld xmlns:a="http://schemas.openxmlformats.org/drawingml/2006/main" xmlns:r="http://schemas.openxmlformats.org/officeDocument/2006/relationships" xmlns:p="http://schemas.openxmlformats.org/presentationml/2006/main">
   <p:cSld>
+    <p:bg>
+      <p:bgPr>
+        <a:gradFill>
+          <a:gsLst>
+            <a:gs pos="0">
+              <a:srgbClr val="FE4444"/>
+            </a:gs>
+            <a:gs pos="100000">
+              <a:srgbClr val="832B2B"/>
+            </a:gs>
+          </a:gsLst>
+          <a:lin scaled="0"/>
+        </a:gradFill>
+        <a:effectLst/>
+      </p:bgPr>
+    </p:bg>
     <p:spTree>
       <p:nvGrpSpPr>
         <p:cNvPr id="1" name=""/>
@@ -3982,7 +4171,7 @@
       <p:grpSpPr/>
       <p:sp>
         <p:nvSpPr>
-          <p:cNvPr id="4" name="Заголовок 3"/>
+          <p:cNvPr id="2" name="Заголовок 1"/>
           <p:cNvSpPr>
             <a:spLocks noGrp="1"/>
           </p:cNvSpPr>
@@ -3992,56 +4181,129 @@
         </p:nvSpPr>
         <p:spPr/>
         <p:txBody>
+          <a:bodyPr>
+            <a:normAutofit fontScale="90000"/>
+          </a:bodyPr>
+          <a:p>
+            <a:pPr algn="ctr"/>
+            <a:r>
+              <a:rPr lang="ru-RU" altLang="en-US">
+                <a:solidFill>
+                  <a:schemeClr val="bg1"/>
+                </a:solidFill>
+              </a:rPr>
+              <a:t>Улучшения относительно предыдущей версии.</a:t>
+            </a:r>
+            <a:endParaRPr lang="ru-RU" altLang="en-US">
+              <a:solidFill>
+                <a:schemeClr val="bg1"/>
+              </a:solidFill>
+            </a:endParaRPr>
+          </a:p>
+        </p:txBody>
+      </p:sp>
+      <p:sp>
+        <p:nvSpPr>
+          <p:cNvPr id="4" name="Замещающее содержимое 3"/>
+          <p:cNvSpPr/>
+          <p:nvPr>
+            <p:ph sz="half" idx="1"/>
+          </p:nvPr>
+        </p:nvSpPr>
+        <p:spPr>
+          <a:xfrm>
+            <a:off x="647700" y="1825625"/>
+            <a:ext cx="10514965" cy="4351655"/>
+          </a:xfrm>
+        </p:spPr>
+        <p:txBody>
           <a:bodyPr/>
           <a:p>
-            <a:pPr algn="ctr"/>
-            <a:r>
-              <a:rPr lang="ru-RU" altLang="ru-RU">
-                <a:sym typeface="+mn-ea"/>
-              </a:rPr>
-              <a:t>Что можно добавить/исправить?</a:t>
-            </a:r>
-            <a:endParaRPr lang="ru-RU" altLang="en-US"/>
-          </a:p>
-        </p:txBody>
-      </p:sp>
-      <p:sp>
-        <p:nvSpPr>
-          <p:cNvPr id="5" name="Замещающее содержимое 4"/>
-          <p:cNvSpPr>
-            <a:spLocks noGrp="1"/>
-          </p:cNvSpPr>
-          <p:nvPr>
-            <p:ph idx="1"/>
-          </p:nvPr>
-        </p:nvSpPr>
-        <p:spPr/>
-        <p:txBody>
-          <a:bodyPr/>
-          <a:p>
-            <a:r>
-              <a:rPr lang="ru-RU" altLang="en-US"/>
-              <a:t>Сделать визуальную составляющую веб-приложения более удобной для восприятия;</a:t>
-            </a:r>
-            <a:endParaRPr lang="ru-RU" altLang="en-US"/>
-          </a:p>
-          <a:p>
-            <a:r>
-              <a:rPr lang="ru-RU" altLang="en-US"/>
-              <a:t>Сделать всплывающее окошко с ошибками ввода пользователя;</a:t>
-            </a:r>
-            <a:endParaRPr lang="ru-RU" altLang="en-US"/>
-          </a:p>
-          <a:p>
-            <a:endParaRPr lang="ru-RU" altLang="en-US" strike="sngStrike">
+            <a:pPr marL="457200" indent="-457200">
+              <a:lnSpc>
+                <a:spcPct val="100000"/>
+              </a:lnSpc>
+              <a:buFont typeface="Arial" panose="020B0604020202020204" pitchFamily="34" charset="0"/>
+              <a:buChar char="•"/>
+            </a:pPr>
+            <a:r>
+              <a:rPr lang="ru-RU" altLang="en-US">
+                <a:solidFill>
+                  <a:schemeClr val="bg1"/>
+                </a:solidFill>
+              </a:rPr>
+              <a:t>Была добавлена карта для удобства определения координат по адресу заказа;</a:t>
+            </a:r>
+            <a:endParaRPr lang="ru-RU" altLang="en-US">
               <a:solidFill>
-                <a:schemeClr val="tx1">
-                  <a:lumMod val="75000"/>
-                  <a:lumOff val="25000"/>
-                </a:schemeClr>
+                <a:schemeClr val="bg1"/>
               </a:solidFill>
-              <a:uFillTx/>
-              <a:ea typeface="+Основной текст (восточно-азиат" charset="0"/>
+            </a:endParaRPr>
+          </a:p>
+          <a:p>
+            <a:pPr marL="457200" indent="-457200">
+              <a:lnSpc>
+                <a:spcPct val="100000"/>
+              </a:lnSpc>
+              <a:buFont typeface="Arial" panose="020B0604020202020204" pitchFamily="34" charset="0"/>
+              <a:buChar char="•"/>
+            </a:pPr>
+            <a:r>
+              <a:rPr lang="ru-RU" altLang="en-US">
+                <a:solidFill>
+                  <a:schemeClr val="bg1"/>
+                </a:solidFill>
+              </a:rPr>
+              <a:t>Был обновлен интерфейс веб-приложения для более удобного использования;</a:t>
+            </a:r>
+            <a:endParaRPr lang="ru-RU" altLang="en-US">
+              <a:solidFill>
+                <a:schemeClr val="bg1"/>
+              </a:solidFill>
+            </a:endParaRPr>
+          </a:p>
+          <a:p>
+            <a:pPr marL="457200" indent="-457200">
+              <a:lnSpc>
+                <a:spcPct val="100000"/>
+              </a:lnSpc>
+              <a:buFont typeface="Arial" panose="020B0604020202020204" pitchFamily="34" charset="0"/>
+              <a:buChar char="•"/>
+            </a:pPr>
+            <a:r>
+              <a:rPr lang="ru-RU" altLang="en-US">
+                <a:solidFill>
+                  <a:schemeClr val="bg1"/>
+                </a:solidFill>
+              </a:rPr>
+              <a:t>Информация, загружающаяся из базы данных стала более структурированной;</a:t>
+            </a:r>
+            <a:endParaRPr lang="ru-RU" altLang="en-US">
+              <a:solidFill>
+                <a:schemeClr val="bg1"/>
+              </a:solidFill>
+            </a:endParaRPr>
+          </a:p>
+          <a:p>
+            <a:pPr marL="457200" indent="-457200">
+              <a:lnSpc>
+                <a:spcPct val="100000"/>
+              </a:lnSpc>
+              <a:buFont typeface="Arial" panose="020B0604020202020204" pitchFamily="34" charset="0"/>
+              <a:buChar char="•"/>
+            </a:pPr>
+            <a:r>
+              <a:rPr lang="ru-RU" altLang="en-US">
+                <a:solidFill>
+                  <a:schemeClr val="bg1"/>
+                </a:solidFill>
+              </a:rPr>
+              <a:t>Появилась возможность «сворачивать» информацию из базы данных для более удобной работы с её большим количеством.</a:t>
+            </a:r>
+            <a:endParaRPr lang="ru-RU" altLang="en-US">
+              <a:solidFill>
+                <a:schemeClr val="bg1"/>
+              </a:solidFill>
             </a:endParaRPr>
           </a:p>
         </p:txBody>
@@ -4057,6 +4319,22 @@
 <file path=ppt/slides/slide12.xml><?xml version="1.0" encoding="utf-8"?>
 <p:sld xmlns:a="http://schemas.openxmlformats.org/drawingml/2006/main" xmlns:r="http://schemas.openxmlformats.org/officeDocument/2006/relationships" xmlns:p="http://schemas.openxmlformats.org/presentationml/2006/main">
   <p:cSld>
+    <p:bg>
+      <p:bgPr>
+        <a:gradFill>
+          <a:gsLst>
+            <a:gs pos="0">
+              <a:srgbClr val="FE4444"/>
+            </a:gs>
+            <a:gs pos="100000">
+              <a:srgbClr val="832B2B"/>
+            </a:gs>
+          </a:gsLst>
+          <a:lin scaled="0"/>
+        </a:gradFill>
+        <a:effectLst/>
+      </p:bgPr>
+    </p:bg>
     <p:spTree>
       <p:nvGrpSpPr>
         <p:cNvPr id="1" name=""/>
@@ -4080,10 +4358,18 @@
           <a:p>
             <a:pPr algn="ctr"/>
             <a:r>
-              <a:rPr lang="ru-RU" altLang="en-US"/>
+              <a:rPr lang="ru-RU" altLang="en-US">
+                <a:solidFill>
+                  <a:schemeClr val="bg1"/>
+                </a:solidFill>
+              </a:rPr>
               <a:t>Вывод.</a:t>
             </a:r>
-            <a:endParaRPr lang="ru-RU" altLang="en-US"/>
+            <a:endParaRPr lang="ru-RU" altLang="en-US">
+              <a:solidFill>
+                <a:schemeClr val="bg1"/>
+              </a:solidFill>
+            </a:endParaRPr>
           </a:p>
         </p:txBody>
       </p:sp>
@@ -4097,39 +4383,78 @@
             <p:ph idx="1"/>
           </p:nvPr>
         </p:nvSpPr>
-        <p:spPr/>
+        <p:spPr>
+          <a:xfrm>
+            <a:off x="647700" y="2489200"/>
+            <a:ext cx="10515600" cy="3688080"/>
+          </a:xfrm>
+        </p:spPr>
         <p:txBody>
           <a:bodyPr/>
           <a:p>
-            <a:r>
-              <a:rPr lang="ru-RU" altLang="en-US"/>
+            <a:pPr algn="ctr"/>
+            <a:r>
+              <a:rPr lang="ru-RU" altLang="en-US">
+                <a:solidFill>
+                  <a:schemeClr val="bg1"/>
+                </a:solidFill>
+              </a:rPr>
               <a:t>В ходе выполнения проекта было сделано следующее:</a:t>
             </a:r>
-            <a:endParaRPr lang="ru-RU" altLang="en-US"/>
-          </a:p>
-          <a:p>
-            <a:r>
-              <a:rPr lang="ru-RU" altLang="en-US"/>
+            <a:endParaRPr lang="ru-RU" altLang="en-US">
+              <a:solidFill>
+                <a:schemeClr val="bg1"/>
+              </a:solidFill>
+            </a:endParaRPr>
+          </a:p>
+          <a:p>
+            <a:pPr algn="ctr"/>
+            <a:r>
+              <a:rPr lang="ru-RU" altLang="en-US">
+                <a:solidFill>
+                  <a:schemeClr val="bg1"/>
+                </a:solidFill>
+              </a:rPr>
               <a:t>Создан и </a:t>
             </a:r>
             <a:r>
               <a:rPr lang="ru-RU" altLang="en-US">
+                <a:solidFill>
+                  <a:schemeClr val="bg1"/>
+                </a:solidFill>
                 <a:sym typeface="+mn-ea"/>
               </a:rPr>
               <a:t>оформлен в виде веб-сайта сервер</a:t>
             </a:r>
             <a:r>
-              <a:rPr lang="ru-RU" altLang="en-US"/>
+              <a:rPr lang="ru-RU" altLang="en-US">
+                <a:solidFill>
+                  <a:schemeClr val="bg1"/>
+                </a:solidFill>
+              </a:rPr>
               <a:t>, с помощью которого отслеживается работа службы доставки «Самокат»;</a:t>
             </a:r>
-            <a:endParaRPr lang="ru-RU" altLang="en-US"/>
-          </a:p>
-          <a:p>
-            <a:r>
-              <a:rPr lang="ru-RU" altLang="en-US"/>
+            <a:endParaRPr lang="ru-RU" altLang="en-US">
+              <a:solidFill>
+                <a:schemeClr val="bg1"/>
+              </a:solidFill>
+            </a:endParaRPr>
+          </a:p>
+          <a:p>
+            <a:pPr algn="ctr"/>
+            <a:r>
+              <a:rPr lang="ru-RU" altLang="en-US">
+                <a:solidFill>
+                  <a:schemeClr val="bg1"/>
+                </a:solidFill>
+              </a:rPr>
               <a:t>Создана база данных, которой можно управлять.</a:t>
             </a:r>
-            <a:endParaRPr lang="ru-RU" altLang="en-US"/>
+            <a:endParaRPr lang="ru-RU" altLang="en-US">
+              <a:solidFill>
+                <a:schemeClr val="bg1"/>
+              </a:solidFill>
+            </a:endParaRPr>
           </a:p>
         </p:txBody>
       </p:sp>
@@ -4144,6 +4469,22 @@
 <file path=ppt/slides/slide2.xml><?xml version="1.0" encoding="utf-8"?>
 <p:sld xmlns:a="http://schemas.openxmlformats.org/drawingml/2006/main" xmlns:r="http://schemas.openxmlformats.org/officeDocument/2006/relationships" xmlns:p="http://schemas.openxmlformats.org/presentationml/2006/main">
   <p:cSld>
+    <p:bg>
+      <p:bgPr>
+        <a:gradFill>
+          <a:gsLst>
+            <a:gs pos="0">
+              <a:srgbClr val="FE4444"/>
+            </a:gs>
+            <a:gs pos="100000">
+              <a:srgbClr val="832B2B"/>
+            </a:gs>
+          </a:gsLst>
+          <a:lin scaled="0"/>
+        </a:gradFill>
+        <a:effectLst/>
+      </p:bgPr>
+    </p:bg>
     <p:spTree>
       <p:nvGrpSpPr>
         <p:cNvPr id="1" name=""/>
@@ -4167,10 +4508,18 @@
           <a:p>
             <a:pPr algn="ctr"/>
             <a:r>
-              <a:rPr lang="ru-RU" altLang="en-US"/>
+              <a:rPr lang="ru-RU" altLang="en-US">
+                <a:solidFill>
+                  <a:schemeClr val="bg1"/>
+                </a:solidFill>
+              </a:rPr>
               <a:t>Актуальность проекта.</a:t>
             </a:r>
-            <a:endParaRPr lang="ru-RU" altLang="en-US"/>
+            <a:endParaRPr lang="ru-RU" altLang="en-US">
+              <a:solidFill>
+                <a:schemeClr val="bg1"/>
+              </a:solidFill>
+            </a:endParaRPr>
           </a:p>
         </p:txBody>
       </p:sp>
@@ -4184,27 +4533,77 @@
             <p:ph idx="1"/>
           </p:nvPr>
         </p:nvSpPr>
-        <p:spPr/>
+        <p:spPr>
+          <a:xfrm>
+            <a:off x="647700" y="1584325"/>
+            <a:ext cx="10515600" cy="4592955"/>
+          </a:xfrm>
+        </p:spPr>
         <p:txBody>
           <a:bodyPr>
             <a:normAutofit/>
           </a:bodyPr>
           <a:p>
-            <a:r>
-              <a:rPr lang="ru-RU" altLang="en-US"/>
-              <a:t>В современном мире достаточно популярны службы доставки, но у курьеров далеко не всегда получается вовремя доставить заказ тому или иному клиенту.</a:t>
-            </a:r>
-            <a:endParaRPr lang="ru-RU" altLang="en-US"/>
-          </a:p>
-          <a:p>
-            <a:r>
-              <a:rPr lang="ru-RU" altLang="en-US"/>
+            <a:pPr algn="ctr"/>
+            <a:r>
+              <a:rPr lang="ru-RU" altLang="en-US">
+                <a:solidFill>
+                  <a:schemeClr val="bg1"/>
+                </a:solidFill>
+              </a:rPr>
+              <a:t>В современном мире достаточно популярны службы доставки, но у дронов-курьеров далеко не всегда получается вовремя доставить заказ тому или иному клиенту.</a:t>
+            </a:r>
+            <a:endParaRPr lang="ru-RU" altLang="en-US">
+              <a:solidFill>
+                <a:schemeClr val="bg1"/>
+              </a:solidFill>
+            </a:endParaRPr>
+          </a:p>
+          <a:p>
+            <a:pPr algn="ctr"/>
+            <a:r>
+              <a:rPr lang="ru-RU" altLang="en-US">
+                <a:solidFill>
+                  <a:schemeClr val="bg1"/>
+                </a:solidFill>
+              </a:rPr>
               <a:t>Чтобы это исправить, нужно оптимизировать управленческую структуру работы сетей служб доставки.</a:t>
             </a:r>
-            <a:endParaRPr lang="ru-RU" altLang="en-US"/>
-          </a:p>
-        </p:txBody>
-      </p:sp>
+            <a:endParaRPr lang="ru-RU" altLang="en-US">
+              <a:solidFill>
+                <a:schemeClr val="bg1"/>
+              </a:solidFill>
+            </a:endParaRPr>
+          </a:p>
+        </p:txBody>
+      </p:sp>
+      <p:pic>
+        <p:nvPicPr>
+          <p:cNvPr id="2" name="Изображение 1"/>
+          <p:cNvPicPr/>
+          <p:nvPr/>
+        </p:nvPicPr>
+        <p:blipFill>
+          <a:blip r:embed="rId1"/>
+          <a:stretch>
+            <a:fillRect/>
+          </a:stretch>
+        </p:blipFill>
+        <p:spPr>
+          <a:xfrm>
+            <a:off x="3630930" y="3844290"/>
+            <a:ext cx="4549140" cy="2587625"/>
+          </a:xfrm>
+          <a:prstGeom prst="rect">
+            <a:avLst/>
+          </a:prstGeom>
+          <a:ln>
+            <a:solidFill>
+              <a:schemeClr val="bg1"/>
+            </a:solidFill>
+          </a:ln>
+        </p:spPr>
+      </p:pic>
     </p:spTree>
   </p:cSld>
   <p:clrMapOvr>
@@ -4216,6 +4615,22 @@
 <file path=ppt/slides/slide3.xml><?xml version="1.0" encoding="utf-8"?>
 <p:sld xmlns:a="http://schemas.openxmlformats.org/drawingml/2006/main" xmlns:r="http://schemas.openxmlformats.org/officeDocument/2006/relationships" xmlns:p="http://schemas.openxmlformats.org/presentationml/2006/main">
   <p:cSld>
+    <p:bg>
+      <p:bgPr>
+        <a:gradFill>
+          <a:gsLst>
+            <a:gs pos="0">
+              <a:srgbClr val="FE4444"/>
+            </a:gs>
+            <a:gs pos="100000">
+              <a:srgbClr val="832B2B"/>
+            </a:gs>
+          </a:gsLst>
+          <a:lin scaled="0"/>
+        </a:gradFill>
+        <a:effectLst/>
+      </p:bgPr>
+    </p:bg>
     <p:spTree>
       <p:nvGrpSpPr>
         <p:cNvPr id="1" name=""/>
@@ -4239,10 +4654,18 @@
           <a:p>
             <a:pPr algn="ctr"/>
             <a:r>
-              <a:rPr lang="ru-RU" altLang="en-US"/>
+              <a:rPr lang="ru-RU" altLang="en-US">
+                <a:solidFill>
+                  <a:schemeClr val="bg1"/>
+                </a:solidFill>
+              </a:rPr>
               <a:t>Цели и задачи проекта.</a:t>
             </a:r>
-            <a:endParaRPr lang="ru-RU" altLang="en-US"/>
+            <a:endParaRPr lang="ru-RU" altLang="en-US">
+              <a:solidFill>
+                <a:schemeClr val="bg1"/>
+              </a:solidFill>
+            </a:endParaRPr>
           </a:p>
         </p:txBody>
       </p:sp>
@@ -4261,45 +4684,109 @@
           <a:bodyPr/>
           <a:p>
             <a:r>
-              <a:rPr lang="ru-RU" altLang="en-US" b="1"/>
+              <a:rPr lang="ru-RU" altLang="en-US" b="1">
+                <a:solidFill>
+                  <a:schemeClr val="bg1"/>
+                </a:solidFill>
+              </a:rPr>
               <a:t>Цель:</a:t>
             </a:r>
             <a:r>
-              <a:rPr lang="ru-RU" altLang="en-US"/>
-              <a:t> Упростить управление базой данных для повышения эффективности работы курьеров в службе доставки «Самокат».</a:t>
-            </a:r>
-            <a:endParaRPr lang="ru-RU" altLang="en-US"/>
-          </a:p>
-          <a:p>
-            <a:endParaRPr lang="ru-RU" altLang="en-US"/>
-          </a:p>
-          <a:p>
-            <a:r>
-              <a:rPr lang="ru-RU" altLang="en-US" b="1"/>
+              <a:rPr lang="ru-RU" altLang="en-US">
+                <a:solidFill>
+                  <a:schemeClr val="bg1"/>
+                </a:solidFill>
+              </a:rPr>
+              <a:t> Упростить управление базой данных для повышения эффективности работы дронов-курьеров в службе доставки «</a:t>
+            </a:r>
+            <a:r>
+              <a:rPr lang="en-US" altLang="en-US">
+                <a:solidFill>
+                  <a:schemeClr val="bg1"/>
+                </a:solidFill>
+              </a:rPr>
+              <a:t>Zamokat</a:t>
+            </a:r>
+            <a:r>
+              <a:rPr lang="ru-RU" altLang="en-US">
+                <a:solidFill>
+                  <a:schemeClr val="bg1"/>
+                </a:solidFill>
+              </a:rPr>
+              <a:t>».</a:t>
+            </a:r>
+            <a:endParaRPr lang="ru-RU" altLang="en-US">
+              <a:solidFill>
+                <a:schemeClr val="bg1"/>
+              </a:solidFill>
+            </a:endParaRPr>
+          </a:p>
+          <a:p>
+            <a:endParaRPr lang="ru-RU" altLang="en-US">
+              <a:solidFill>
+                <a:schemeClr val="bg1"/>
+              </a:solidFill>
+            </a:endParaRPr>
+          </a:p>
+          <a:p>
+            <a:r>
+              <a:rPr lang="ru-RU" altLang="en-US" b="1">
+                <a:solidFill>
+                  <a:schemeClr val="bg1"/>
+                </a:solidFill>
+              </a:rPr>
               <a:t>Задачи:</a:t>
             </a:r>
-            <a:endParaRPr lang="ru-RU" altLang="en-US"/>
-          </a:p>
-          <a:p>
-            <a:r>
-              <a:rPr lang="ru-RU" altLang="en-US"/>
-              <a:t>Создать базу данных курьеров, заказов, и т. д.;</a:t>
-            </a:r>
-            <a:endParaRPr lang="ru-RU" altLang="en-US"/>
-          </a:p>
-          <a:p>
-            <a:r>
-              <a:rPr lang="ru-RU" altLang="en-US"/>
+            <a:endParaRPr lang="ru-RU" altLang="en-US">
+              <a:solidFill>
+                <a:schemeClr val="bg1"/>
+              </a:solidFill>
+            </a:endParaRPr>
+          </a:p>
+          <a:p>
+            <a:r>
+              <a:rPr lang="ru-RU" altLang="en-US">
+                <a:solidFill>
+                  <a:schemeClr val="bg1"/>
+                </a:solidFill>
+              </a:rPr>
+              <a:t>Создать базу данных дронов-курьеров, заказов, и т. д.;</a:t>
+            </a:r>
+            <a:endParaRPr lang="ru-RU" altLang="en-US">
+              <a:solidFill>
+                <a:schemeClr val="bg1"/>
+              </a:solidFill>
+            </a:endParaRPr>
+          </a:p>
+          <a:p>
+            <a:r>
+              <a:rPr lang="ru-RU" altLang="en-US">
+                <a:solidFill>
+                  <a:schemeClr val="bg1"/>
+                </a:solidFill>
+              </a:rPr>
               <a:t>Создать сервер, с помощью которого можно отслеживать работу курьеров;</a:t>
             </a:r>
-            <a:endParaRPr lang="ru-RU" altLang="en-US"/>
-          </a:p>
-          <a:p>
-            <a:r>
-              <a:rPr lang="ru-RU" altLang="en-US"/>
+            <a:endParaRPr lang="ru-RU" altLang="en-US">
+              <a:solidFill>
+                <a:schemeClr val="bg1"/>
+              </a:solidFill>
+            </a:endParaRPr>
+          </a:p>
+          <a:p>
+            <a:r>
+              <a:rPr lang="ru-RU" altLang="en-US">
+                <a:solidFill>
+                  <a:schemeClr val="bg1"/>
+                </a:solidFill>
+              </a:rPr>
               <a:t>Оформить в виде веб-приложения. </a:t>
             </a:r>
-            <a:endParaRPr lang="ru-RU" altLang="en-US"/>
+            <a:endParaRPr lang="ru-RU" altLang="en-US">
+              <a:solidFill>
+                <a:schemeClr val="bg1"/>
+              </a:solidFill>
+            </a:endParaRPr>
           </a:p>
         </p:txBody>
       </p:sp>
@@ -4314,6 +4801,22 @@
 <file path=ppt/slides/slide4.xml><?xml version="1.0" encoding="utf-8"?>
 <p:sld xmlns:a="http://schemas.openxmlformats.org/drawingml/2006/main" xmlns:r="http://schemas.openxmlformats.org/officeDocument/2006/relationships" xmlns:p="http://schemas.openxmlformats.org/presentationml/2006/main">
   <p:cSld>
+    <p:bg>
+      <p:bgPr>
+        <a:gradFill>
+          <a:gsLst>
+            <a:gs pos="0">
+              <a:srgbClr val="FE4444"/>
+            </a:gs>
+            <a:gs pos="100000">
+              <a:srgbClr val="832B2B"/>
+            </a:gs>
+          </a:gsLst>
+          <a:lin scaled="0"/>
+        </a:gradFill>
+        <a:effectLst/>
+      </p:bgPr>
+    </p:bg>
     <p:spTree>
       <p:nvGrpSpPr>
         <p:cNvPr id="1" name=""/>
@@ -4337,10 +4840,18 @@
           <a:p>
             <a:pPr algn="ctr"/>
             <a:r>
-              <a:rPr lang="ru-RU" altLang="ru-RU"/>
+              <a:rPr lang="ru-RU" altLang="ru-RU">
+                <a:solidFill>
+                  <a:schemeClr val="bg1"/>
+                </a:solidFill>
+              </a:rPr>
               <a:t>Реализация проекта.</a:t>
             </a:r>
-            <a:endParaRPr lang="ru-RU" altLang="ru-RU"/>
+            <a:endParaRPr lang="ru-RU" altLang="ru-RU">
+              <a:solidFill>
+                <a:schemeClr val="bg1"/>
+              </a:solidFill>
+            </a:endParaRPr>
           </a:p>
         </p:txBody>
       </p:sp>
@@ -4365,66 +4876,130 @@
           <a:p>
             <a:pPr algn="just"/>
             <a:r>
-              <a:rPr lang="ru-RU" altLang="en-US"/>
+              <a:rPr lang="ru-RU" altLang="en-US">
+                <a:solidFill>
+                  <a:schemeClr val="bg1"/>
+                </a:solidFill>
+              </a:rPr>
               <a:t>Программа, управляющая базой данных, была написана на языке </a:t>
             </a:r>
             <a:r>
-              <a:rPr lang="en-US" altLang="en-US"/>
+              <a:rPr lang="en-US" altLang="en-US">
+                <a:solidFill>
+                  <a:schemeClr val="bg1"/>
+                </a:solidFill>
+              </a:rPr>
               <a:t>C++</a:t>
             </a:r>
             <a:r>
-              <a:rPr lang="ru-RU" altLang="en-US"/>
+              <a:rPr lang="ru-RU" altLang="en-US">
+                <a:solidFill>
+                  <a:schemeClr val="bg1"/>
+                </a:solidFill>
+              </a:rPr>
               <a:t>.</a:t>
             </a:r>
-            <a:endParaRPr lang="ru-RU" altLang="en-US"/>
+            <a:endParaRPr lang="ru-RU" altLang="en-US">
+              <a:solidFill>
+                <a:schemeClr val="bg1"/>
+              </a:solidFill>
+            </a:endParaRPr>
           </a:p>
           <a:p>
             <a:pPr algn="just"/>
             <a:r>
-              <a:rPr lang="ru-RU" altLang="en-US"/>
+              <a:rPr lang="ru-RU" altLang="en-US">
+                <a:solidFill>
+                  <a:schemeClr val="bg1"/>
+                </a:solidFill>
+              </a:rPr>
               <a:t>Программа, являющаяся сервером, была написана на языке </a:t>
             </a:r>
             <a:r>
-              <a:rPr lang="en-US" altLang="en-US"/>
+              <a:rPr lang="en-US" altLang="en-US">
+                <a:solidFill>
+                  <a:schemeClr val="bg1"/>
+                </a:solidFill>
+              </a:rPr>
               <a:t>JavaScript.</a:t>
             </a:r>
             <a:r>
-              <a:rPr lang="ru-RU" altLang="en-US"/>
+              <a:rPr lang="ru-RU" altLang="en-US">
+                <a:solidFill>
+                  <a:schemeClr val="bg1"/>
+                </a:solidFill>
+              </a:rPr>
               <a:t> </a:t>
             </a:r>
-            <a:endParaRPr lang="ru-RU" altLang="en-US"/>
+            <a:endParaRPr lang="ru-RU" altLang="en-US">
+              <a:solidFill>
+                <a:schemeClr val="bg1"/>
+              </a:solidFill>
+            </a:endParaRPr>
           </a:p>
           <a:p>
             <a:pPr algn="just"/>
             <a:r>
-              <a:rPr lang="ru-RU" altLang="ru-RU"/>
+              <a:rPr lang="ru-RU" altLang="ru-RU">
+                <a:solidFill>
+                  <a:schemeClr val="bg1"/>
+                </a:solidFill>
+              </a:rPr>
               <a:t>Визуальная составляющая страницы была написана на языке разметки </a:t>
             </a:r>
             <a:r>
-              <a:rPr lang="en-US" altLang="ru-RU"/>
+              <a:rPr lang="en-US" altLang="ru-RU">
+                <a:solidFill>
+                  <a:schemeClr val="bg1"/>
+                </a:solidFill>
+              </a:rPr>
               <a:t>html</a:t>
             </a:r>
             <a:r>
-              <a:rPr lang="ru-RU" altLang="en-US"/>
+              <a:rPr lang="ru-RU" altLang="en-US">
+                <a:solidFill>
+                  <a:schemeClr val="bg1"/>
+                </a:solidFill>
+              </a:rPr>
               <a:t> с использованием </a:t>
             </a:r>
             <a:r>
-              <a:rPr lang="en-US" altLang="en-US"/>
+              <a:rPr lang="en-US" altLang="en-US">
+                <a:solidFill>
+                  <a:schemeClr val="bg1"/>
+                </a:solidFill>
+              </a:rPr>
               <a:t>Vue.js</a:t>
             </a:r>
             <a:r>
-              <a:rPr lang="ru-RU" altLang="en-US"/>
+              <a:rPr lang="ru-RU" altLang="en-US">
+                <a:solidFill>
+                  <a:schemeClr val="bg1"/>
+                </a:solidFill>
+              </a:rPr>
               <a:t>.</a:t>
             </a:r>
-            <a:endParaRPr lang="ru-RU" altLang="en-US"/>
+            <a:endParaRPr lang="ru-RU" altLang="en-US">
+              <a:solidFill>
+                <a:schemeClr val="bg1"/>
+              </a:solidFill>
+            </a:endParaRPr>
           </a:p>
           <a:p>
             <a:pPr algn="just"/>
             <a:r>
-              <a:rPr lang="ru-RU" altLang="en-US"/>
-              <a:t>На данный момент были реализованы следующие пункты:</a:t>
-            </a:r>
-            <a:endParaRPr lang="ru-RU" altLang="en-US"/>
+              <a:rPr lang="ru-RU" altLang="en-US">
+                <a:solidFill>
+                  <a:schemeClr val="bg1"/>
+                </a:solidFill>
+              </a:rPr>
+              <a:t>При разработке проекта были реализованы следующие пункты:</a:t>
+            </a:r>
+            <a:endParaRPr lang="ru-RU" altLang="en-US">
+              <a:solidFill>
+                <a:schemeClr val="bg1"/>
+              </a:solidFill>
+            </a:endParaRPr>
           </a:p>
         </p:txBody>
       </p:sp>
@@ -4439,6 +5014,22 @@
 <file path=ppt/slides/slide5.xml><?xml version="1.0" encoding="utf-8"?>
 <p:sld xmlns:a="http://schemas.openxmlformats.org/drawingml/2006/main" xmlns:r="http://schemas.openxmlformats.org/officeDocument/2006/relationships" xmlns:p="http://schemas.openxmlformats.org/presentationml/2006/main">
   <p:cSld>
+    <p:bg>
+      <p:bgPr>
+        <a:gradFill>
+          <a:gsLst>
+            <a:gs pos="0">
+              <a:srgbClr val="FE4444"/>
+            </a:gs>
+            <a:gs pos="100000">
+              <a:srgbClr val="832B2B"/>
+            </a:gs>
+          </a:gsLst>
+          <a:lin scaled="0"/>
+        </a:gradFill>
+        <a:effectLst/>
+      </p:bgPr>
+    </p:bg>
     <p:spTree>
       <p:nvGrpSpPr>
         <p:cNvPr id="1" name=""/>
@@ -4462,10 +5053,18 @@
           <a:p>
             <a:pPr algn="ctr"/>
             <a:r>
-              <a:rPr lang="ru-RU" altLang="en-US"/>
+              <a:rPr lang="ru-RU" altLang="en-US">
+                <a:solidFill>
+                  <a:schemeClr val="bg1"/>
+                </a:solidFill>
+              </a:rPr>
               <a:t>Система управления базой данных.</a:t>
             </a:r>
-            <a:endParaRPr lang="ru-RU" altLang="en-US"/>
+            <a:endParaRPr lang="ru-RU" altLang="en-US">
+              <a:solidFill>
+                <a:schemeClr val="bg1"/>
+              </a:solidFill>
+            </a:endParaRPr>
           </a:p>
         </p:txBody>
       </p:sp>
@@ -4503,22 +5102,22 @@
         </p:nvPicPr>
         <p:blipFill>
           <a:blip r:embed="rId1"/>
-          <a:srcRect l="-49" r="72781" b="79426"/>
+          <a:srcRect l="-49" t="3352" r="72781" b="79426"/>
           <a:stretch>
             <a:fillRect/>
           </a:stretch>
         </p:blipFill>
         <p:spPr>
           <a:xfrm>
-            <a:off x="3412490" y="2371090"/>
-            <a:ext cx="4986655" cy="2116455"/>
+            <a:off x="3412490" y="2715895"/>
+            <a:ext cx="4986655" cy="1771650"/>
           </a:xfrm>
           <a:prstGeom prst="rect">
             <a:avLst/>
           </a:prstGeom>
           <a:ln>
             <a:solidFill>
-              <a:srgbClr val="FF0000"/>
+              <a:schemeClr val="bg1"/>
             </a:solidFill>
           </a:ln>
         </p:spPr>
@@ -4534,6 +5133,22 @@
 <file path=ppt/slides/slide6.xml><?xml version="1.0" encoding="utf-8"?>
 <p:sld xmlns:a="http://schemas.openxmlformats.org/drawingml/2006/main" xmlns:r="http://schemas.openxmlformats.org/officeDocument/2006/relationships" xmlns:p="http://schemas.openxmlformats.org/presentationml/2006/main">
   <p:cSld>
+    <p:bg>
+      <p:bgPr>
+        <a:gradFill>
+          <a:gsLst>
+            <a:gs pos="0">
+              <a:srgbClr val="FE4444"/>
+            </a:gs>
+            <a:gs pos="100000">
+              <a:srgbClr val="832B2B"/>
+            </a:gs>
+          </a:gsLst>
+          <a:lin scaled="0"/>
+        </a:gradFill>
+        <a:effectLst/>
+      </p:bgPr>
+    </p:bg>
     <p:spTree>
       <p:nvGrpSpPr>
         <p:cNvPr id="1" name=""/>
@@ -4560,46 +5175,22 @@
             <a:pPr algn="ctr"/>
             <a:r>
               <a:rPr lang="ru-RU" altLang="en-US">
+                <a:solidFill>
+                  <a:schemeClr val="bg1"/>
+                </a:solidFill>
                 <a:sym typeface="+mn-ea"/>
               </a:rPr>
               <a:t>Основа веб-приложения для управления базой данных.</a:t>
             </a:r>
-            <a:endParaRPr lang="ru-RU" altLang="en-US"/>
-          </a:p>
-        </p:txBody>
-      </p:sp>
-      <p:pic>
-        <p:nvPicPr>
-          <p:cNvPr id="4" name="Замещающее содержимое 3"/>
-          <p:cNvPicPr>
-            <a:picLocks noChangeAspect="1"/>
-          </p:cNvPicPr>
-          <p:nvPr>
-            <p:ph idx="1"/>
-          </p:nvPr>
-        </p:nvPicPr>
-        <p:blipFill>
-          <a:blip r:embed="rId1"/>
-          <a:srcRect b="4421"/>
-          <a:stretch>
-            <a:fillRect/>
-          </a:stretch>
-        </p:blipFill>
-        <p:spPr>
-          <a:xfrm>
-            <a:off x="2037080" y="1584325"/>
-            <a:ext cx="7735570" cy="4159250"/>
-          </a:xfrm>
-          <a:prstGeom prst="rect">
-            <a:avLst/>
-          </a:prstGeom>
-          <a:ln>
-            <a:solidFill>
-              <a:srgbClr val="FF0000"/>
-            </a:solidFill>
-          </a:ln>
-        </p:spPr>
-      </p:pic>
+            <a:endParaRPr lang="ru-RU" altLang="en-US">
+              <a:solidFill>
+                <a:schemeClr val="bg1"/>
+              </a:solidFill>
+              <a:sym typeface="+mn-ea"/>
+            </a:endParaRPr>
+          </a:p>
+        </p:txBody>
+      </p:sp>
       <p:sp>
         <p:nvSpPr>
           <p:cNvPr id="5" name="Текстовое поле 4"/>
@@ -4623,13 +5214,67 @@
           <a:p>
             <a:pPr algn="ctr"/>
             <a:r>
-              <a:rPr lang="ru-RU" altLang="ru-RU"/>
-              <a:t>Рис. 1. Страница веб-сайта «Самокат»</a:t>
-            </a:r>
-            <a:endParaRPr lang="ru-RU" altLang="ru-RU"/>
-          </a:p>
-        </p:txBody>
-      </p:sp>
+              <a:rPr lang="ru-RU" altLang="ru-RU">
+                <a:solidFill>
+                  <a:schemeClr val="bg1"/>
+                </a:solidFill>
+              </a:rPr>
+              <a:t>Рис. 1. Страница веб-сайта «</a:t>
+            </a:r>
+            <a:r>
+              <a:rPr lang="en-US" altLang="ru-RU">
+                <a:solidFill>
+                  <a:schemeClr val="bg1"/>
+                </a:solidFill>
+              </a:rPr>
+              <a:t>Zamokat</a:t>
+            </a:r>
+            <a:r>
+              <a:rPr lang="ru-RU" altLang="ru-RU">
+                <a:solidFill>
+                  <a:schemeClr val="bg1"/>
+                </a:solidFill>
+              </a:rPr>
+              <a:t>»</a:t>
+            </a:r>
+            <a:endParaRPr lang="ru-RU" altLang="ru-RU">
+              <a:solidFill>
+                <a:schemeClr val="bg1"/>
+              </a:solidFill>
+            </a:endParaRPr>
+          </a:p>
+        </p:txBody>
+      </p:sp>
+      <p:pic>
+        <p:nvPicPr>
+          <p:cNvPr id="6" name="Замещающее содержимое 5"/>
+          <p:cNvPicPr>
+            <a:picLocks noChangeAspect="1"/>
+          </p:cNvPicPr>
+          <p:nvPr>
+            <p:ph idx="1"/>
+          </p:nvPr>
+        </p:nvPicPr>
+        <p:blipFill>
+          <a:blip r:embed="rId1"/>
+          <a:srcRect b="4057"/>
+          <a:stretch>
+            <a:fillRect/>
+          </a:stretch>
+        </p:blipFill>
+        <p:spPr>
+          <a:xfrm>
+            <a:off x="2037080" y="1584325"/>
+            <a:ext cx="7735570" cy="4175125"/>
+          </a:xfrm>
+          <a:prstGeom prst="rect">
+            <a:avLst/>
+          </a:prstGeom>
+          <a:ln>
+            <a:noFill/>
+          </a:ln>
+        </p:spPr>
+      </p:pic>
     </p:spTree>
   </p:cSld>
   <p:clrMapOvr>
@@ -4641,6 +5286,22 @@
 <file path=ppt/slides/slide7.xml><?xml version="1.0" encoding="utf-8"?>
 <p:sld xmlns:a="http://schemas.openxmlformats.org/drawingml/2006/main" xmlns:r="http://schemas.openxmlformats.org/officeDocument/2006/relationships" xmlns:p="http://schemas.openxmlformats.org/presentationml/2006/main">
   <p:cSld>
+    <p:bg>
+      <p:bgPr>
+        <a:gradFill>
+          <a:gsLst>
+            <a:gs pos="0">
+              <a:srgbClr val="FE4444"/>
+            </a:gs>
+            <a:gs pos="100000">
+              <a:srgbClr val="832B2B"/>
+            </a:gs>
+          </a:gsLst>
+          <a:lin scaled="0"/>
+        </a:gradFill>
+        <a:effectLst/>
+      </p:bgPr>
+    </p:bg>
     <p:spTree>
       <p:nvGrpSpPr>
         <p:cNvPr id="1" name=""/>
@@ -4664,43 +5325,14 @@
           <a:p>
             <a:pPr algn="ctr"/>
             <a:endParaRPr lang="ru-RU" altLang="ru-RU" b="1">
+              <a:solidFill>
+                <a:schemeClr val="bg1"/>
+              </a:solidFill>
               <a:sym typeface="+mn-ea"/>
             </a:endParaRPr>
           </a:p>
         </p:txBody>
       </p:sp>
-      <p:pic>
-        <p:nvPicPr>
-          <p:cNvPr id="7" name="Замещающее содержимое 5"/>
-          <p:cNvPicPr>
-            <a:picLocks noChangeAspect="1"/>
-          </p:cNvPicPr>
-          <p:nvPr>
-            <p:ph sz="half" idx="1"/>
-          </p:nvPr>
-        </p:nvPicPr>
-        <p:blipFill>
-          <a:blip r:embed="rId1"/>
-          <a:srcRect r="52290" b="58500"/>
-          <a:stretch>
-            <a:fillRect/>
-          </a:stretch>
-        </p:blipFill>
-        <p:spPr>
-          <a:xfrm>
-            <a:off x="647700" y="1584325"/>
-            <a:ext cx="5181600" cy="2914650"/>
-          </a:xfrm>
-          <a:prstGeom prst="rect">
-            <a:avLst/>
-          </a:prstGeom>
-          <a:ln>
-            <a:solidFill>
-              <a:srgbClr val="FF0000"/>
-            </a:solidFill>
-          </a:ln>
-        </p:spPr>
-      </p:pic>
       <p:sp>
         <p:nvSpPr>
           <p:cNvPr id="8" name="Текстовое поле 7"/>
@@ -4724,43 +5356,90 @@
           <a:p>
             <a:pPr algn="ctr"/>
             <a:r>
-              <a:rPr lang="ru-RU" altLang="ru-RU"/>
-              <a:t>Рис. 2. Добавление в базу данных склада для хранения заказов «Самокат»</a:t>
-            </a:r>
-            <a:endParaRPr lang="ru-RU" altLang="ru-RU"/>
+              <a:rPr lang="ru-RU" altLang="ru-RU">
+                <a:solidFill>
+                  <a:schemeClr val="bg1"/>
+                </a:solidFill>
+              </a:rPr>
+              <a:t>Рис. 2. Добавление в базу данных склада для хранения заказов «</a:t>
+            </a:r>
+            <a:r>
+              <a:rPr lang="en-US" altLang="ru-RU">
+                <a:solidFill>
+                  <a:schemeClr val="bg1"/>
+                </a:solidFill>
+                <a:sym typeface="+mn-ea"/>
+              </a:rPr>
+              <a:t>Zamokat</a:t>
+            </a:r>
+            <a:r>
+              <a:rPr lang="ru-RU" altLang="ru-RU">
+                <a:solidFill>
+                  <a:schemeClr val="bg1"/>
+                </a:solidFill>
+              </a:rPr>
+              <a:t>»</a:t>
+            </a:r>
+            <a:endParaRPr lang="ru-RU" altLang="ru-RU">
+              <a:solidFill>
+                <a:schemeClr val="bg1"/>
+              </a:solidFill>
+            </a:endParaRPr>
           </a:p>
         </p:txBody>
       </p:sp>
       <p:pic>
         <p:nvPicPr>
-          <p:cNvPr id="3" name="Замещающее содержимое 2"/>
+          <p:cNvPr id="10" name="Замещающее содержимое 9"/>
           <p:cNvPicPr>
             <a:picLocks noChangeAspect="1"/>
           </p:cNvPicPr>
           <p:nvPr>
-            <p:ph sz="half" idx="2"/>
+            <p:ph sz="half" idx="1"/>
           </p:nvPr>
         </p:nvPicPr>
         <p:blipFill>
-          <a:blip r:embed="rId2"/>
-          <a:srcRect r="55233" b="55108"/>
+          <a:blip r:embed="rId1"/>
+          <a:srcRect b="5211"/>
           <a:stretch>
             <a:fillRect/>
           </a:stretch>
         </p:blipFill>
         <p:spPr>
           <a:xfrm>
-            <a:off x="5982335" y="1584325"/>
-            <a:ext cx="5180965" cy="2922270"/>
+            <a:off x="647700" y="1584325"/>
+            <a:ext cx="5181600" cy="2922270"/>
           </a:xfrm>
           <a:prstGeom prst="rect">
             <a:avLst/>
           </a:prstGeom>
-          <a:ln>
-            <a:solidFill>
-              <a:srgbClr val="FF0000"/>
-            </a:solidFill>
-          </a:ln>
+        </p:spPr>
+      </p:pic>
+      <p:pic>
+        <p:nvPicPr>
+          <p:cNvPr id="12" name="Замещающее содержимое 11"/>
+          <p:cNvPicPr>
+            <a:picLocks noChangeAspect="1"/>
+          </p:cNvPicPr>
+          <p:nvPr>
+            <p:ph sz="half" idx="2"/>
+          </p:nvPr>
+        </p:nvPicPr>
+        <p:blipFill>
+          <a:blip r:embed="rId2"/>
+          <a:srcRect t="21630" r="4102"/>
+          <a:stretch>
+            <a:fillRect/>
+          </a:stretch>
+        </p:blipFill>
+        <p:spPr>
+          <a:xfrm>
+            <a:off x="5981700" y="1584325"/>
+            <a:ext cx="5181600" cy="2922270"/>
+          </a:xfrm>
+          <a:prstGeom prst="rect">
+            <a:avLst/>
+          </a:prstGeom>
         </p:spPr>
       </p:pic>
     </p:spTree>
@@ -4774,6 +5453,22 @@
 <file path=ppt/slides/slide8.xml><?xml version="1.0" encoding="utf-8"?>
 <p:sld xmlns:a="http://schemas.openxmlformats.org/drawingml/2006/main" xmlns:r="http://schemas.openxmlformats.org/officeDocument/2006/relationships" xmlns:p="http://schemas.openxmlformats.org/presentationml/2006/main">
   <p:cSld>
+    <p:bg>
+      <p:bgPr>
+        <a:gradFill>
+          <a:gsLst>
+            <a:gs pos="0">
+              <a:srgbClr val="FE4444"/>
+            </a:gs>
+            <a:gs pos="100000">
+              <a:srgbClr val="832B2B"/>
+            </a:gs>
+          </a:gsLst>
+          <a:lin scaled="0"/>
+        </a:gradFill>
+        <a:effectLst/>
+      </p:bgPr>
+    </p:bg>
     <p:spTree>
       <p:nvGrpSpPr>
         <p:cNvPr id="1" name=""/>
@@ -4800,38 +5495,6 @@
           </a:p>
         </p:txBody>
       </p:sp>
-      <p:pic>
-        <p:nvPicPr>
-          <p:cNvPr id="7" name="Замещающее содержимое 4"/>
-          <p:cNvPicPr>
-            <a:picLocks noChangeAspect="1"/>
-          </p:cNvPicPr>
-          <p:nvPr>
-            <p:ph sz="half" idx="1"/>
-          </p:nvPr>
-        </p:nvPicPr>
-        <p:blipFill>
-          <a:blip r:embed="rId1"/>
-          <a:srcRect r="51397" b="57908"/>
-          <a:stretch>
-            <a:fillRect/>
-          </a:stretch>
-        </p:blipFill>
-        <p:spPr>
-          <a:xfrm>
-            <a:off x="647700" y="1584325"/>
-            <a:ext cx="5181600" cy="2914650"/>
-          </a:xfrm>
-          <a:prstGeom prst="rect">
-            <a:avLst/>
-          </a:prstGeom>
-          <a:ln>
-            <a:solidFill>
-              <a:srgbClr val="FF0000"/>
-            </a:solidFill>
-          </a:ln>
-        </p:spPr>
-      </p:pic>
       <p:sp>
         <p:nvSpPr>
           <p:cNvPr id="9" name="Текстовое поле 8"/>
@@ -4855,43 +5518,89 @@
           <a:p>
             <a:pPr algn="ctr"/>
             <a:r>
-              <a:rPr lang="ru-RU" altLang="ru-RU"/>
-              <a:t>Рис. 3. Добавление в базу данных курьера «Самокат»</a:t>
-            </a:r>
-            <a:endParaRPr lang="ru-RU" altLang="ru-RU"/>
+              <a:rPr lang="ru-RU" altLang="ru-RU">
+                <a:solidFill>
+                  <a:schemeClr val="bg1"/>
+                </a:solidFill>
+              </a:rPr>
+              <a:t>Рис. 3. Добавление в базу данных дрона-курьера «</a:t>
+            </a:r>
+            <a:r>
+              <a:rPr lang="en-US" altLang="ru-RU">
+                <a:solidFill>
+                  <a:schemeClr val="bg1"/>
+                </a:solidFill>
+                <a:sym typeface="+mn-ea"/>
+              </a:rPr>
+              <a:t>Zamokat</a:t>
+            </a:r>
+            <a:r>
+              <a:rPr lang="ru-RU" altLang="ru-RU">
+                <a:solidFill>
+                  <a:schemeClr val="bg1"/>
+                </a:solidFill>
+              </a:rPr>
+              <a:t>»</a:t>
+            </a:r>
+            <a:endParaRPr lang="ru-RU" altLang="ru-RU">
+              <a:solidFill>
+                <a:schemeClr val="bg1"/>
+              </a:solidFill>
+            </a:endParaRPr>
           </a:p>
         </p:txBody>
       </p:sp>
       <p:pic>
         <p:nvPicPr>
-          <p:cNvPr id="3" name="Замещающее содержимое 2"/>
+          <p:cNvPr id="5" name="Замещающее содержимое 4"/>
           <p:cNvPicPr>
             <a:picLocks noChangeAspect="1"/>
           </p:cNvPicPr>
           <p:nvPr>
-            <p:ph sz="half" idx="2"/>
+            <p:ph sz="half" idx="1"/>
           </p:nvPr>
         </p:nvPicPr>
         <p:blipFill>
-          <a:blip r:embed="rId2"/>
-          <a:srcRect r="54567" b="54667"/>
+          <a:blip r:embed="rId1"/>
+          <a:srcRect l="1826" r="3268"/>
           <a:stretch>
             <a:fillRect/>
           </a:stretch>
         </p:blipFill>
         <p:spPr>
           <a:xfrm>
-            <a:off x="5981700" y="1590675"/>
-            <a:ext cx="5181600" cy="2908300"/>
+            <a:off x="647700" y="1584325"/>
+            <a:ext cx="5181600" cy="2915285"/>
           </a:xfrm>
           <a:prstGeom prst="rect">
             <a:avLst/>
           </a:prstGeom>
-          <a:ln>
-            <a:solidFill>
-              <a:srgbClr val="FF0000"/>
-            </a:solidFill>
-          </a:ln>
+        </p:spPr>
+      </p:pic>
+      <p:pic>
+        <p:nvPicPr>
+          <p:cNvPr id="8" name="Замещающее содержимое 7"/>
+          <p:cNvPicPr>
+            <a:picLocks noChangeAspect="1"/>
+          </p:cNvPicPr>
+          <p:nvPr>
+            <p:ph sz="half" idx="2"/>
+          </p:nvPr>
+        </p:nvPicPr>
+        <p:blipFill>
+          <a:blip r:embed="rId2"/>
+          <a:stretch>
+            <a:fillRect/>
+          </a:stretch>
+        </p:blipFill>
+        <p:spPr>
+          <a:xfrm>
+            <a:off x="5982335" y="1584325"/>
+            <a:ext cx="5180965" cy="2915920"/>
+          </a:xfrm>
+          <a:prstGeom prst="rect">
+            <a:avLst/>
+          </a:prstGeom>
         </p:spPr>
       </p:pic>
     </p:spTree>
@@ -4905,6 +5614,22 @@
 <file path=ppt/slides/slide9.xml><?xml version="1.0" encoding="utf-8"?>
 <p:sld xmlns:a="http://schemas.openxmlformats.org/drawingml/2006/main" xmlns:r="http://schemas.openxmlformats.org/officeDocument/2006/relationships" xmlns:p="http://schemas.openxmlformats.org/presentationml/2006/main">
   <p:cSld>
+    <p:bg>
+      <p:bgPr>
+        <a:gradFill>
+          <a:gsLst>
+            <a:gs pos="0">
+              <a:srgbClr val="FE4444"/>
+            </a:gs>
+            <a:gs pos="100000">
+              <a:srgbClr val="832B2B"/>
+            </a:gs>
+          </a:gsLst>
+          <a:lin scaled="0"/>
+        </a:gradFill>
+        <a:effectLst/>
+      </p:bgPr>
+    </p:bg>
     <p:spTree>
       <p:nvGrpSpPr>
         <p:cNvPr id="1" name=""/>
@@ -4931,38 +5656,6 @@
           </a:p>
         </p:txBody>
       </p:sp>
-      <p:pic>
-        <p:nvPicPr>
-          <p:cNvPr id="12" name="Замещающее содержимое 11"/>
-          <p:cNvPicPr>
-            <a:picLocks noChangeAspect="1"/>
-          </p:cNvPicPr>
-          <p:nvPr>
-            <p:ph sz="half" idx="1"/>
-          </p:nvPr>
-        </p:nvPicPr>
-        <p:blipFill>
-          <a:blip r:embed="rId1"/>
-          <a:srcRect r="51201" b="51089"/>
-          <a:stretch>
-            <a:fillRect/>
-          </a:stretch>
-        </p:blipFill>
-        <p:spPr>
-          <a:xfrm>
-            <a:off x="647700" y="1584325"/>
-            <a:ext cx="5181600" cy="2914650"/>
-          </a:xfrm>
-          <a:prstGeom prst="rect">
-            <a:avLst/>
-          </a:prstGeom>
-          <a:ln>
-            <a:solidFill>
-              <a:srgbClr val="FF0000"/>
-            </a:solidFill>
-          </a:ln>
-        </p:spPr>
-      </p:pic>
       <p:sp>
         <p:nvSpPr>
           <p:cNvPr id="9" name="Текстовое поле 8"/>
@@ -4986,53 +5679,107 @@
           <a:p>
             <a:pPr algn="ctr"/>
             <a:r>
-              <a:rPr lang="ru-RU" altLang="ru-RU"/>
+              <a:rPr lang="ru-RU" altLang="ru-RU">
+                <a:solidFill>
+                  <a:schemeClr val="bg1"/>
+                </a:solidFill>
+              </a:rPr>
               <a:t>Рис. 4. Добавление</a:t>
             </a:r>
             <a:r>
               <a:rPr lang="ru-RU" altLang="ru-RU">
+                <a:solidFill>
+                  <a:schemeClr val="bg1"/>
+                </a:solidFill>
                 <a:sym typeface="+mn-ea"/>
               </a:rPr>
               <a:t> заказа </a:t>
             </a:r>
             <a:r>
-              <a:rPr lang="ru-RU" altLang="ru-RU"/>
-              <a:t>в базу данных «Самокат»</a:t>
-            </a:r>
-            <a:endParaRPr lang="ru-RU" altLang="ru-RU"/>
+              <a:rPr lang="ru-RU" altLang="ru-RU">
+                <a:solidFill>
+                  <a:schemeClr val="bg1"/>
+                </a:solidFill>
+              </a:rPr>
+              <a:t>в базу данных «</a:t>
+            </a:r>
+            <a:r>
+              <a:rPr lang="en-US" altLang="ru-RU">
+                <a:solidFill>
+                  <a:schemeClr val="bg1"/>
+                </a:solidFill>
+                <a:sym typeface="+mn-ea"/>
+              </a:rPr>
+              <a:t>Zamokat</a:t>
+            </a:r>
+            <a:r>
+              <a:rPr lang="ru-RU" altLang="ru-RU">
+                <a:solidFill>
+                  <a:schemeClr val="bg1"/>
+                </a:solidFill>
+              </a:rPr>
+              <a:t>»</a:t>
+            </a:r>
+            <a:endParaRPr lang="ru-RU" altLang="ru-RU">
+              <a:solidFill>
+                <a:schemeClr val="bg1"/>
+              </a:solidFill>
+            </a:endParaRPr>
           </a:p>
         </p:txBody>
       </p:sp>
       <p:pic>
         <p:nvPicPr>
-          <p:cNvPr id="4" name="Замещающее содержимое 3"/>
+          <p:cNvPr id="5" name="Замещающее содержимое 4"/>
           <p:cNvPicPr>
             <a:picLocks noChangeAspect="1"/>
           </p:cNvPicPr>
           <p:nvPr>
-            <p:ph sz="half" idx="2"/>
+            <p:ph sz="half" idx="1"/>
           </p:nvPr>
         </p:nvPicPr>
         <p:blipFill>
-          <a:blip r:embed="rId2"/>
-          <a:srcRect r="50357" b="50370"/>
+          <a:blip r:embed="rId1"/>
+          <a:srcRect l="54348" t="13399" r="2468" b="43420"/>
           <a:stretch>
             <a:fillRect/>
           </a:stretch>
         </p:blipFill>
         <p:spPr>
           <a:xfrm>
-            <a:off x="5981700" y="1584325"/>
-            <a:ext cx="5181600" cy="2914015"/>
+            <a:off x="647700" y="1583690"/>
+            <a:ext cx="5181600" cy="2914650"/>
           </a:xfrm>
           <a:prstGeom prst="rect">
             <a:avLst/>
           </a:prstGeom>
-          <a:ln>
-            <a:solidFill>
-              <a:srgbClr val="FF0000"/>
-            </a:solidFill>
-          </a:ln>
+        </p:spPr>
+      </p:pic>
+      <p:pic>
+        <p:nvPicPr>
+          <p:cNvPr id="7" name="Замещающее содержимое 6"/>
+          <p:cNvPicPr>
+            <a:picLocks noChangeAspect="1"/>
+          </p:cNvPicPr>
+          <p:nvPr>
+            <p:ph sz="half" idx="2"/>
+          </p:nvPr>
+        </p:nvPicPr>
+        <p:blipFill>
+          <a:blip r:embed="rId2"/>
+          <a:srcRect l="6814" t="9978" r="13248" b="23085"/>
+          <a:stretch>
+            <a:fillRect/>
+          </a:stretch>
+        </p:blipFill>
+        <p:spPr>
+          <a:xfrm>
+            <a:off x="6096000" y="1583690"/>
+            <a:ext cx="5078730" cy="2898775"/>
+          </a:xfrm>
+          <a:prstGeom prst="rect">
+            <a:avLst/>
+          </a:prstGeom>
         </p:spPr>
       </p:pic>
     </p:spTree>

--- a/Проект самокат bruh.pptx
+++ b/Проект самокат bruh.pptx
@@ -124,7 +124,7 @@
   <p:extLst>
     <p:ext uri="{EFAFB233-063F-42B5-8137-9DF3F51BA10A}">
       <p15:sldGuideLst xmlns:p15="http://schemas.microsoft.com/office/powerpoint/2012/main">
-        <p15:guide id="1" orient="horz" pos="2122" userDrawn="1">
+        <p15:guide id="1" orient="horz" pos="2160" userDrawn="1">
           <p15:clr>
             <a:srgbClr val="A4A3A4"/>
           </p15:clr>
@@ -693,6 +693,63 @@
 </p:notes>
 </file>
 
+<file path=ppt/notesSlides/notesSlide2.xml><?xml version="1.0" encoding="utf-8"?>
+<p:notes xmlns:a="http://schemas.openxmlformats.org/drawingml/2006/main" xmlns:r="http://schemas.openxmlformats.org/officeDocument/2006/relationships" xmlns:p="http://schemas.openxmlformats.org/presentationml/2006/main">
+  <p:cSld>
+    <p:spTree>
+      <p:nvGrpSpPr>
+        <p:cNvPr id="1" name=""/>
+        <p:cNvGrpSpPr/>
+        <p:nvPr/>
+      </p:nvGrpSpPr>
+      <p:grpSpPr/>
+      <p:sp>
+        <p:nvSpPr>
+          <p:cNvPr id="2" name="Замещающий образ слайда 1"/>
+          <p:cNvSpPr>
+            <a:spLocks noGrp="1"/>
+          </p:cNvSpPr>
+          <p:nvPr>
+            <p:ph type="sldImg" idx="2"/>
+          </p:nvPr>
+        </p:nvSpPr>
+        <p:spPr/>
+      </p:sp>
+      <p:sp>
+        <p:nvSpPr>
+          <p:cNvPr id="3" name="Замещающий текст 2"/>
+          <p:cNvSpPr>
+            <a:spLocks noGrp="1"/>
+          </p:cNvSpPr>
+          <p:nvPr>
+            <p:ph type="body" idx="3"/>
+          </p:nvPr>
+        </p:nvSpPr>
+        <p:spPr/>
+        <p:txBody>
+          <a:bodyPr/>
+          <a:p>
+            <a:r>
+              <a:rPr lang="ru-RU" altLang="en-US">
+                <a:solidFill>
+                  <a:schemeClr val="bg1"/>
+                </a:solidFill>
+                <a:sym typeface="+mn-ea"/>
+              </a:rPr>
+              <a:t>При разработке проекта были реализованы следующие пункты:</a:t>
+            </a:r>
+            <a:endParaRPr lang="ru-RU" altLang="en-US"/>
+          </a:p>
+        </p:txBody>
+      </p:sp>
+    </p:spTree>
+  </p:cSld>
+  <p:clrMapOvr>
+    <a:masterClrMapping/>
+  </p:clrMapOvr>
+</p:notes>
+</file>
+
 <file path=ppt/slideLayouts/slideLayout1.xml><?xml version="1.0" encoding="utf-8"?>
 <p:sldLayout xmlns:a="http://schemas.openxmlformats.org/drawingml/2006/main" xmlns:r="http://schemas.openxmlformats.org/officeDocument/2006/relationships" xmlns:p="http://schemas.openxmlformats.org/presentationml/2006/main" type="title" preserve="1">
   <p:cSld name="Title Slide">
@@ -3172,9 +3229,17 @@
   <p:cSld>
     <p:bg>
       <p:bgPr>
-        <a:solidFill>
-          <a:schemeClr val="bg1"/>
-        </a:solidFill>
+        <a:gradFill rotWithShape="0">
+          <a:gsLst>
+            <a:gs pos="0">
+              <a:srgbClr val="051C2C"/>
+            </a:gs>
+            <a:gs pos="100000">
+              <a:srgbClr val="862633"/>
+            </a:gs>
+          </a:gsLst>
+          <a:lin ang="5400000" scaled="0"/>
+        </a:gradFill>
         <a:effectLst/>
       </p:bgPr>
     </p:bg>
@@ -3743,22 +3808,6 @@
 <file path=ppt/slides/slide1.xml><?xml version="1.0" encoding="utf-8"?>
 <p:sld xmlns:a="http://schemas.openxmlformats.org/drawingml/2006/main" xmlns:r="http://schemas.openxmlformats.org/officeDocument/2006/relationships" xmlns:p="http://schemas.openxmlformats.org/presentationml/2006/main">
   <p:cSld>
-    <p:bg>
-      <p:bgPr>
-        <a:gradFill>
-          <a:gsLst>
-            <a:gs pos="0">
-              <a:srgbClr val="FE4444"/>
-            </a:gs>
-            <a:gs pos="100000">
-              <a:srgbClr val="832B2B"/>
-            </a:gs>
-          </a:gsLst>
-          <a:lin ang="0" scaled="0"/>
-        </a:gradFill>
-        <a:effectLst/>
-      </p:bgPr>
-    </p:bg>
     <p:spTree>
       <p:nvGrpSpPr>
         <p:cNvPr id="1" name=""/>
@@ -3768,84 +3817,239 @@
       <p:grpSpPr/>
       <p:sp>
         <p:nvSpPr>
-          <p:cNvPr id="2" name="Заголовок 1"/>
-          <p:cNvSpPr>
-            <a:spLocks noGrp="1"/>
-          </p:cNvSpPr>
-          <p:nvPr>
-            <p:ph type="ctrTitle"/>
-          </p:nvPr>
-        </p:nvSpPr>
-        <p:spPr>
-          <a:xfrm>
-            <a:off x="1524000" y="2417445"/>
-            <a:ext cx="9144000" cy="1092200"/>
-          </a:xfrm>
-        </p:spPr>
-        <p:txBody>
-          <a:bodyPr/>
-          <a:p>
-            <a:r>
-              <a:rPr lang="ru-RU" altLang="en-US" sz="3200">
+          <p:cNvPr id="12" name="Скругленный прямоугольник 11"/>
+          <p:cNvSpPr/>
+          <p:nvPr/>
+        </p:nvSpPr>
+        <p:spPr>
+          <a:xfrm>
+            <a:off x="2621280" y="2590800"/>
+            <a:ext cx="6660515" cy="1195705"/>
+          </a:xfrm>
+          <a:prstGeom prst="roundRect">
+            <a:avLst/>
+          </a:prstGeom>
+          <a:solidFill>
+            <a:srgbClr val="051C2C"/>
+          </a:solidFill>
+          <a:ln>
+            <a:solidFill>
+              <a:schemeClr val="bg1"/>
+            </a:solidFill>
+          </a:ln>
+        </p:spPr>
+        <p:style>
+          <a:lnRef idx="2">
+            <a:schemeClr val="accent1"/>
+          </a:lnRef>
+          <a:fillRef idx="0">
+            <a:srgbClr val="FFFFFF"/>
+          </a:fillRef>
+          <a:effectRef idx="0">
+            <a:srgbClr val="FFFFFF"/>
+          </a:effectRef>
+          <a:fontRef idx="minor">
+            <a:schemeClr val="tx1"/>
+          </a:fontRef>
+        </p:style>
+        <p:txBody>
+          <a:bodyPr rtlCol="0" anchor="ctr"/>
+          <a:p>
+            <a:pPr algn="ctr"/>
+            <a:r>
+              <a:rPr lang="ru-RU" altLang="en-US" sz="4000">
                 <a:solidFill>
                   <a:schemeClr val="bg1"/>
                 </a:solidFill>
+                <a:sym typeface="+mn-ea"/>
               </a:rPr>
               <a:t>Веб-приложение «</a:t>
             </a:r>
             <a:r>
-              <a:rPr lang="en-US" altLang="ru-RU" sz="3200">
+              <a:rPr lang="en-US" altLang="ru-RU" sz="4000">
                 <a:solidFill>
                   <a:schemeClr val="bg1"/>
                 </a:solidFill>
+                <a:sym typeface="+mn-ea"/>
               </a:rPr>
               <a:t>Zamokat</a:t>
             </a:r>
             <a:r>
-              <a:rPr lang="ru-RU" altLang="en-US" sz="3200">
+              <a:rPr lang="ru-RU" altLang="en-US" sz="4000">
                 <a:solidFill>
                   <a:schemeClr val="bg1"/>
                 </a:solidFill>
+                <a:sym typeface="+mn-ea"/>
               </a:rPr>
               <a:t>»</a:t>
             </a:r>
-            <a:endParaRPr lang="ru-RU" altLang="en-US" sz="3200">
+            <a:endParaRPr lang="ru-RU" altLang="en-US" sz="4000">
+              <a:solidFill>
+                <a:schemeClr val="bg1"/>
+              </a:solidFill>
+              <a:sym typeface="+mn-ea"/>
+            </a:endParaRPr>
+          </a:p>
+        </p:txBody>
+      </p:sp>
+      <p:sp>
+        <p:nvSpPr>
+          <p:cNvPr id="15" name="Скругленный прямоугольник 14"/>
+          <p:cNvSpPr/>
+          <p:nvPr/>
+        </p:nvSpPr>
+        <p:spPr>
+          <a:xfrm>
+            <a:off x="4879975" y="4448175"/>
+            <a:ext cx="2432685" cy="1749425"/>
+          </a:xfrm>
+          <a:prstGeom prst="roundRect">
+            <a:avLst/>
+          </a:prstGeom>
+          <a:solidFill>
+            <a:srgbClr val="051C2C"/>
+          </a:solidFill>
+          <a:ln>
+            <a:solidFill>
+              <a:schemeClr val="bg1"/>
+            </a:solidFill>
+          </a:ln>
+        </p:spPr>
+        <p:style>
+          <a:lnRef idx="2">
+            <a:schemeClr val="accent1">
+              <a:lumMod val="75000"/>
+            </a:schemeClr>
+          </a:lnRef>
+          <a:fillRef idx="1">
+            <a:schemeClr val="accent1"/>
+          </a:fillRef>
+          <a:effectRef idx="0">
+            <a:srgbClr val="FFFFFF"/>
+          </a:effectRef>
+          <a:fontRef idx="minor">
+            <a:schemeClr val="lt1"/>
+          </a:fontRef>
+        </p:style>
+        <p:txBody>
+          <a:bodyPr rtlCol="0" anchor="ctr"/>
+          <a:p>
+            <a:pPr algn="ctr"/>
+            <a:r>
+              <a:rPr lang="ru-RU" altLang="en-US" sz="2400">
+                <a:solidFill>
+                  <a:schemeClr val="bg1"/>
+                </a:solidFill>
+                <a:sym typeface="+mn-ea"/>
+              </a:rPr>
+              <a:t>Гугин И.</a:t>
+            </a:r>
+            <a:endParaRPr lang="ru-RU" altLang="en-US" sz="2400">
               <a:solidFill>
                 <a:schemeClr val="bg1"/>
               </a:solidFill>
             </a:endParaRPr>
           </a:p>
-        </p:txBody>
-      </p:sp>
-      <p:sp>
-        <p:nvSpPr>
-          <p:cNvPr id="3" name="Подзаголовок 2"/>
-          <p:cNvSpPr>
-            <a:spLocks noGrp="1"/>
-          </p:cNvSpPr>
-          <p:nvPr>
-            <p:ph type="subTitle" idx="1"/>
-          </p:nvPr>
-        </p:nvSpPr>
-        <p:spPr>
-          <a:xfrm>
-            <a:off x="1524000" y="4774248"/>
-            <a:ext cx="9144000" cy="1655762"/>
-          </a:xfrm>
-        </p:spPr>
-        <p:txBody>
-          <a:bodyPr>
-            <a:normAutofit lnSpcReduction="20000"/>
-          </a:bodyPr>
-          <a:p>
-            <a:pPr algn="r"/>
+          <a:p>
+            <a:pPr algn="ctr"/>
+            <a:r>
+              <a:rPr lang="ru-RU" altLang="en-US" sz="2400">
+                <a:solidFill>
+                  <a:schemeClr val="bg1"/>
+                </a:solidFill>
+                <a:sym typeface="+mn-ea"/>
+              </a:rPr>
+              <a:t>Наплавков А.</a:t>
+            </a:r>
+            <a:endParaRPr lang="ru-RU" altLang="en-US" sz="2400">
+              <a:solidFill>
+                <a:schemeClr val="bg1"/>
+              </a:solidFill>
+            </a:endParaRPr>
+          </a:p>
+          <a:p>
+            <a:pPr algn="ctr"/>
+            <a:r>
+              <a:rPr lang="ru-RU" altLang="en-US" sz="2400">
+                <a:solidFill>
+                  <a:schemeClr val="bg1"/>
+                </a:solidFill>
+                <a:sym typeface="+mn-ea"/>
+              </a:rPr>
+              <a:t>Антипин Р.</a:t>
+            </a:r>
+            <a:endParaRPr lang="ru-RU" altLang="en-US" sz="2400">
+              <a:solidFill>
+                <a:schemeClr val="bg1"/>
+              </a:solidFill>
+            </a:endParaRPr>
+          </a:p>
+          <a:p>
+            <a:pPr algn="ctr"/>
+            <a:r>
+              <a:rPr lang="ru-RU" altLang="en-US" sz="2400">
+                <a:solidFill>
+                  <a:schemeClr val="bg1"/>
+                </a:solidFill>
+                <a:sym typeface="+mn-ea"/>
+              </a:rPr>
+              <a:t>23-ПМ-1</a:t>
+            </a:r>
+            <a:endParaRPr lang="ru-RU" altLang="en-US" sz="2400"/>
+          </a:p>
+        </p:txBody>
+      </p:sp>
+      <p:sp>
+        <p:nvSpPr>
+          <p:cNvPr id="18" name="Скругленный прямоугольник 17"/>
+          <p:cNvSpPr/>
+          <p:nvPr/>
+        </p:nvSpPr>
+        <p:spPr>
+          <a:xfrm>
+            <a:off x="2621915" y="544830"/>
+            <a:ext cx="6659880" cy="1358900"/>
+          </a:xfrm>
+          <a:prstGeom prst="roundRect">
+            <a:avLst/>
+          </a:prstGeom>
+          <a:solidFill>
+            <a:srgbClr val="051C2C"/>
+          </a:solidFill>
+          <a:ln>
+            <a:solidFill>
+              <a:schemeClr val="bg1"/>
+            </a:solidFill>
+          </a:ln>
+        </p:spPr>
+        <p:style>
+          <a:lnRef idx="2">
+            <a:schemeClr val="accent1">
+              <a:lumMod val="75000"/>
+            </a:schemeClr>
+          </a:lnRef>
+          <a:fillRef idx="1">
+            <a:schemeClr val="accent1"/>
+          </a:fillRef>
+          <a:effectRef idx="0">
+            <a:srgbClr val="FFFFFF"/>
+          </a:effectRef>
+          <a:fontRef idx="minor">
+            <a:schemeClr val="lt1"/>
+          </a:fontRef>
+        </p:style>
+        <p:txBody>
+          <a:bodyPr rtlCol="0" anchor="ctr" anchorCtr="0"/>
+          <a:p>
+            <a:pPr algn="ctr"/>
             <a:r>
               <a:rPr lang="ru-RU" altLang="en-US">
                 <a:solidFill>
                   <a:schemeClr val="bg1"/>
                 </a:solidFill>
-              </a:rPr>
-              <a:t>Гугин И.</a:t>
+                <a:sym typeface="+mn-ea"/>
+              </a:rPr>
+              <a:t>НГТУ им. Р. Е. Алексеева</a:t>
             </a:r>
             <a:endParaRPr lang="ru-RU" altLang="en-US">
               <a:solidFill>
@@ -3854,14 +4058,15 @@
             </a:endParaRPr>
           </a:p>
           <a:p>
-            <a:pPr algn="r"/>
+            <a:pPr algn="ctr"/>
             <a:r>
               <a:rPr lang="ru-RU" altLang="en-US">
                 <a:solidFill>
                   <a:schemeClr val="bg1"/>
                 </a:solidFill>
-              </a:rPr>
-              <a:t>Наплавков А.</a:t>
+                <a:sym typeface="+mn-ea"/>
+              </a:rPr>
+              <a:t>Институт радиоэлектроники и информационных технологий</a:t>
             </a:r>
             <a:endParaRPr lang="ru-RU" altLang="en-US">
               <a:solidFill>
@@ -3870,7 +4075,7 @@
             </a:endParaRPr>
           </a:p>
           <a:p>
-            <a:pPr algn="r"/>
+            <a:pPr algn="ctr"/>
             <a:r>
               <a:rPr lang="ru-RU" altLang="en-US">
                 <a:solidFill>
@@ -3878,99 +4083,9 @@
                 </a:solidFill>
                 <a:sym typeface="+mn-ea"/>
               </a:rPr>
-              <a:t>Антипин Р.</a:t>
-            </a:r>
-            <a:endParaRPr lang="ru-RU" altLang="en-US">
-              <a:solidFill>
-                <a:schemeClr val="bg1"/>
-              </a:solidFill>
-            </a:endParaRPr>
-          </a:p>
-          <a:p>
-            <a:pPr algn="r"/>
-            <a:r>
-              <a:rPr lang="ru-RU" altLang="en-US">
-                <a:solidFill>
-                  <a:schemeClr val="bg1"/>
-                </a:solidFill>
-              </a:rPr>
-              <a:t>23-ПМ-1</a:t>
-            </a:r>
-            <a:endParaRPr lang="ru-RU" altLang="en-US">
-              <a:solidFill>
-                <a:schemeClr val="bg1"/>
-              </a:solidFill>
-            </a:endParaRPr>
-          </a:p>
-        </p:txBody>
-      </p:sp>
-      <p:sp>
-        <p:nvSpPr>
-          <p:cNvPr id="5" name="Текстовое поле 4"/>
-          <p:cNvSpPr txBox="1"/>
-          <p:nvPr/>
-        </p:nvSpPr>
-        <p:spPr>
-          <a:xfrm>
-            <a:off x="1523365" y="230505"/>
-            <a:ext cx="8587105" cy="922020"/>
-          </a:xfrm>
-          <a:prstGeom prst="rect">
-            <a:avLst/>
-          </a:prstGeom>
-          <a:noFill/>
-        </p:spPr>
-        <p:txBody>
-          <a:bodyPr wrap="square" rtlCol="0">
-            <a:spAutoFit/>
-          </a:bodyPr>
-          <a:p>
-            <a:pPr algn="ctr"/>
-            <a:r>
-              <a:rPr lang="ru-RU" altLang="en-US">
-                <a:solidFill>
-                  <a:schemeClr val="bg1"/>
-                </a:solidFill>
-              </a:rPr>
-              <a:t>НГТУ им. Р. Е. Алексеева</a:t>
-            </a:r>
-            <a:endParaRPr lang="ru-RU" altLang="en-US">
-              <a:solidFill>
-                <a:schemeClr val="bg1"/>
-              </a:solidFill>
-            </a:endParaRPr>
-          </a:p>
-          <a:p>
-            <a:pPr algn="ctr"/>
-            <a:r>
-              <a:rPr lang="ru-RU" altLang="en-US">
-                <a:solidFill>
-                  <a:schemeClr val="bg1"/>
-                </a:solidFill>
-              </a:rPr>
-              <a:t>Институт радиоэлектроники и информационных технологий</a:t>
-            </a:r>
-            <a:endParaRPr lang="ru-RU" altLang="en-US">
-              <a:solidFill>
-                <a:schemeClr val="bg1"/>
-              </a:solidFill>
-            </a:endParaRPr>
-          </a:p>
-          <a:p>
-            <a:pPr algn="ctr"/>
-            <a:r>
-              <a:rPr lang="ru-RU" altLang="en-US">
-                <a:solidFill>
-                  <a:schemeClr val="bg1"/>
-                </a:solidFill>
-              </a:rPr>
               <a:t>Кафедра «Прикладная математика и информатика»</a:t>
             </a:r>
-            <a:endParaRPr lang="ru-RU" altLang="en-US">
-              <a:solidFill>
-                <a:schemeClr val="bg1"/>
-              </a:solidFill>
-            </a:endParaRPr>
+            <a:endParaRPr lang="ru-RU" altLang="en-US"/>
           </a:p>
         </p:txBody>
       </p:sp>
@@ -3985,22 +4100,6 @@
 <file path=ppt/slides/slide10.xml><?xml version="1.0" encoding="utf-8"?>
 <p:sld xmlns:a="http://schemas.openxmlformats.org/drawingml/2006/main" xmlns:r="http://schemas.openxmlformats.org/officeDocument/2006/relationships" xmlns:p="http://schemas.openxmlformats.org/presentationml/2006/main">
   <p:cSld>
-    <p:bg>
-      <p:bgPr>
-        <a:gradFill>
-          <a:gsLst>
-            <a:gs pos="0">
-              <a:srgbClr val="FE4444"/>
-            </a:gs>
-            <a:gs pos="100000">
-              <a:srgbClr val="832B2B"/>
-            </a:gs>
-          </a:gsLst>
-          <a:lin scaled="0"/>
-        </a:gradFill>
-        <a:effectLst/>
-      </p:bgPr>
-    </p:bg>
     <p:spTree>
       <p:nvGrpSpPr>
         <p:cNvPr id="1" name=""/>
@@ -4135,6 +4234,80 @@
           </a:prstGeom>
         </p:spPr>
       </p:pic>
+      <p:sp>
+        <p:nvSpPr>
+          <p:cNvPr id="4" name="Скругленный прямоугольник 3"/>
+          <p:cNvSpPr/>
+          <p:nvPr/>
+        </p:nvSpPr>
+        <p:spPr>
+          <a:xfrm>
+            <a:off x="2384425" y="6016625"/>
+            <a:ext cx="7042150" cy="368300"/>
+          </a:xfrm>
+          <a:prstGeom prst="roundRect">
+            <a:avLst/>
+          </a:prstGeom>
+          <a:solidFill>
+            <a:srgbClr val="051C2C"/>
+          </a:solidFill>
+          <a:ln>
+            <a:solidFill>
+              <a:schemeClr val="bg1"/>
+            </a:solidFill>
+          </a:ln>
+        </p:spPr>
+        <p:style>
+          <a:lnRef idx="2">
+            <a:schemeClr val="accent1">
+              <a:lumMod val="75000"/>
+            </a:schemeClr>
+          </a:lnRef>
+          <a:fillRef idx="1">
+            <a:schemeClr val="accent1"/>
+          </a:fillRef>
+          <a:effectRef idx="0">
+            <a:srgbClr val="FFFFFF"/>
+          </a:effectRef>
+          <a:fontRef idx="minor">
+            <a:schemeClr val="lt1"/>
+          </a:fontRef>
+        </p:style>
+        <p:txBody>
+          <a:bodyPr rtlCol="0" anchor="t" anchorCtr="0"/>
+          <a:p>
+            <a:pPr algn="ctr"/>
+            <a:r>
+              <a:rPr lang="ru-RU" altLang="ru-RU">
+                <a:solidFill>
+                  <a:schemeClr val="bg1"/>
+                </a:solidFill>
+                <a:sym typeface="+mn-ea"/>
+              </a:rPr>
+              <a:t>Рис. 5. Обновление базы данных «</a:t>
+            </a:r>
+            <a:r>
+              <a:rPr lang="en-US" altLang="ru-RU">
+                <a:solidFill>
+                  <a:schemeClr val="bg1"/>
+                </a:solidFill>
+                <a:sym typeface="+mn-ea"/>
+              </a:rPr>
+              <a:t>Zamokat</a:t>
+            </a:r>
+            <a:r>
+              <a:rPr lang="ru-RU" altLang="ru-RU">
+                <a:solidFill>
+                  <a:schemeClr val="bg1"/>
+                </a:solidFill>
+                <a:sym typeface="+mn-ea"/>
+              </a:rPr>
+              <a:t>» по прошествии 3 часов</a:t>
+            </a:r>
+            <a:endParaRPr lang="ru-RU" altLang="en-US"/>
+          </a:p>
+        </p:txBody>
+      </p:sp>
     </p:spTree>
   </p:cSld>
   <p:clrMapOvr>
@@ -4146,22 +4319,6 @@
 <file path=ppt/slides/slide11.xml><?xml version="1.0" encoding="utf-8"?>
 <p:sld xmlns:a="http://schemas.openxmlformats.org/drawingml/2006/main" xmlns:r="http://schemas.openxmlformats.org/officeDocument/2006/relationships" xmlns:p="http://schemas.openxmlformats.org/presentationml/2006/main">
   <p:cSld>
-    <p:bg>
-      <p:bgPr>
-        <a:gradFill>
-          <a:gsLst>
-            <a:gs pos="0">
-              <a:srgbClr val="FE4444"/>
-            </a:gs>
-            <a:gs pos="100000">
-              <a:srgbClr val="832B2B"/>
-            </a:gs>
-          </a:gsLst>
-          <a:lin scaled="0"/>
-        </a:gradFill>
-        <a:effectLst/>
-      </p:bgPr>
-    </p:bg>
     <p:spTree>
       <p:nvGrpSpPr>
         <p:cNvPr id="1" name=""/>
@@ -4204,107 +4361,241 @@
       </p:sp>
       <p:sp>
         <p:nvSpPr>
-          <p:cNvPr id="4" name="Замещающее содержимое 3"/>
+          <p:cNvPr id="3" name="Скругленный прямоугольник 2"/>
           <p:cNvSpPr/>
-          <p:nvPr>
-            <p:ph sz="half" idx="1"/>
-          </p:nvPr>
-        </p:nvSpPr>
-        <p:spPr>
-          <a:xfrm>
-            <a:off x="647700" y="1825625"/>
-            <a:ext cx="10514965" cy="4351655"/>
-          </a:xfrm>
-        </p:spPr>
-        <p:txBody>
-          <a:bodyPr/>
-          <a:p>
-            <a:pPr marL="457200" indent="-457200">
+          <p:nvPr/>
+        </p:nvSpPr>
+        <p:spPr>
+          <a:xfrm>
+            <a:off x="803275" y="1584325"/>
+            <a:ext cx="10394950" cy="883285"/>
+          </a:xfrm>
+          <a:prstGeom prst="roundRect">
+            <a:avLst/>
+          </a:prstGeom>
+          <a:solidFill>
+            <a:srgbClr val="051C2C"/>
+          </a:solidFill>
+          <a:ln>
+            <a:solidFill>
+              <a:schemeClr val="bg1"/>
+            </a:solidFill>
+          </a:ln>
+        </p:spPr>
+        <p:style>
+          <a:lnRef idx="2">
+            <a:schemeClr val="accent1">
+              <a:lumMod val="75000"/>
+            </a:schemeClr>
+          </a:lnRef>
+          <a:fillRef idx="1">
+            <a:schemeClr val="accent1"/>
+          </a:fillRef>
+          <a:effectRef idx="0">
+            <a:srgbClr val="FFFFFF"/>
+          </a:effectRef>
+          <a:fontRef idx="minor">
+            <a:schemeClr val="lt1"/>
+          </a:fontRef>
+        </p:style>
+        <p:txBody>
+          <a:bodyPr rtlCol="0" anchor="ctr"/>
+          <a:p>
+            <a:pPr algn="ctr">
               <a:lnSpc>
                 <a:spcPct val="100000"/>
               </a:lnSpc>
-              <a:buFont typeface="Arial" panose="020B0604020202020204" pitchFamily="34" charset="0"/>
-              <a:buChar char="•"/>
             </a:pPr>
             <a:r>
-              <a:rPr lang="ru-RU" altLang="en-US">
+              <a:rPr lang="ru-RU" altLang="en-US" sz="2800">
                 <a:solidFill>
                   <a:schemeClr val="bg1"/>
                 </a:solidFill>
-              </a:rPr>
-              <a:t>Была добавлена карта для удобства определения координат по адресу заказа;</a:t>
-            </a:r>
-            <a:endParaRPr lang="ru-RU" altLang="en-US">
-              <a:solidFill>
-                <a:schemeClr val="bg1"/>
-              </a:solidFill>
-            </a:endParaRPr>
-          </a:p>
-          <a:p>
-            <a:pPr marL="457200" indent="-457200">
+                <a:sym typeface="+mn-ea"/>
+              </a:rPr>
+              <a:t>Была добавлена карта для удобства определения координат по адресу заказа</a:t>
+            </a:r>
+            <a:endParaRPr lang="ru-RU" altLang="en-US" sz="2800"/>
+          </a:p>
+        </p:txBody>
+      </p:sp>
+      <p:sp>
+        <p:nvSpPr>
+          <p:cNvPr id="5" name="Скругленный прямоугольник 4"/>
+          <p:cNvSpPr/>
+          <p:nvPr/>
+        </p:nvSpPr>
+        <p:spPr>
+          <a:xfrm>
+            <a:off x="803275" y="2810510"/>
+            <a:ext cx="10394950" cy="883920"/>
+          </a:xfrm>
+          <a:prstGeom prst="roundRect">
+            <a:avLst/>
+          </a:prstGeom>
+          <a:solidFill>
+            <a:srgbClr val="051C2C"/>
+          </a:solidFill>
+          <a:ln>
+            <a:solidFill>
+              <a:schemeClr val="bg1"/>
+            </a:solidFill>
+          </a:ln>
+        </p:spPr>
+        <p:style>
+          <a:lnRef idx="2">
+            <a:schemeClr val="accent1">
+              <a:lumMod val="75000"/>
+            </a:schemeClr>
+          </a:lnRef>
+          <a:fillRef idx="1">
+            <a:schemeClr val="accent1"/>
+          </a:fillRef>
+          <a:effectRef idx="0">
+            <a:srgbClr val="FFFFFF"/>
+          </a:effectRef>
+          <a:fontRef idx="minor">
+            <a:schemeClr val="lt1"/>
+          </a:fontRef>
+        </p:style>
+        <p:txBody>
+          <a:bodyPr rtlCol="0" anchor="ctr"/>
+          <a:p>
+            <a:pPr algn="ctr">
               <a:lnSpc>
                 <a:spcPct val="100000"/>
               </a:lnSpc>
-              <a:buFont typeface="Arial" panose="020B0604020202020204" pitchFamily="34" charset="0"/>
-              <a:buChar char="•"/>
             </a:pPr>
             <a:r>
-              <a:rPr lang="ru-RU" altLang="en-US">
+              <a:rPr lang="ru-RU" altLang="en-US" sz="2800">
                 <a:solidFill>
                   <a:schemeClr val="bg1"/>
                 </a:solidFill>
-              </a:rPr>
-              <a:t>Был обновлен интерфейс веб-приложения для более удобного использования;</a:t>
-            </a:r>
-            <a:endParaRPr lang="ru-RU" altLang="en-US">
-              <a:solidFill>
-                <a:schemeClr val="bg1"/>
-              </a:solidFill>
-            </a:endParaRPr>
-          </a:p>
-          <a:p>
-            <a:pPr marL="457200" indent="-457200">
+                <a:sym typeface="+mn-ea"/>
+              </a:rPr>
+              <a:t>Был обновлен интерфейс веб-приложения для более удобного использования</a:t>
+            </a:r>
+            <a:endParaRPr lang="ru-RU" altLang="en-US" sz="2800"/>
+          </a:p>
+        </p:txBody>
+      </p:sp>
+      <p:sp>
+        <p:nvSpPr>
+          <p:cNvPr id="6" name="Скругленный прямоугольник 5"/>
+          <p:cNvSpPr/>
+          <p:nvPr/>
+        </p:nvSpPr>
+        <p:spPr>
+          <a:xfrm>
+            <a:off x="803275" y="4037330"/>
+            <a:ext cx="10394950" cy="883920"/>
+          </a:xfrm>
+          <a:prstGeom prst="roundRect">
+            <a:avLst/>
+          </a:prstGeom>
+          <a:solidFill>
+            <a:srgbClr val="051C2C"/>
+          </a:solidFill>
+          <a:ln>
+            <a:solidFill>
+              <a:schemeClr val="bg1"/>
+            </a:solidFill>
+          </a:ln>
+        </p:spPr>
+        <p:style>
+          <a:lnRef idx="2">
+            <a:schemeClr val="accent1">
+              <a:lumMod val="75000"/>
+            </a:schemeClr>
+          </a:lnRef>
+          <a:fillRef idx="1">
+            <a:schemeClr val="accent1"/>
+          </a:fillRef>
+          <a:effectRef idx="0">
+            <a:srgbClr val="FFFFFF"/>
+          </a:effectRef>
+          <a:fontRef idx="minor">
+            <a:schemeClr val="lt1"/>
+          </a:fontRef>
+        </p:style>
+        <p:txBody>
+          <a:bodyPr rtlCol="0" anchor="ctr"/>
+          <a:p>
+            <a:pPr algn="ctr">
               <a:lnSpc>
                 <a:spcPct val="100000"/>
               </a:lnSpc>
-              <a:buFont typeface="Arial" panose="020B0604020202020204" pitchFamily="34" charset="0"/>
-              <a:buChar char="•"/>
             </a:pPr>
             <a:r>
-              <a:rPr lang="ru-RU" altLang="en-US">
+              <a:rPr lang="ru-RU" altLang="en-US" sz="2800">
                 <a:solidFill>
                   <a:schemeClr val="bg1"/>
                 </a:solidFill>
-              </a:rPr>
-              <a:t>Информация, загружающаяся из базы данных стала более структурированной;</a:t>
-            </a:r>
-            <a:endParaRPr lang="ru-RU" altLang="en-US">
-              <a:solidFill>
-                <a:schemeClr val="bg1"/>
-              </a:solidFill>
-            </a:endParaRPr>
-          </a:p>
-          <a:p>
-            <a:pPr marL="457200" indent="-457200">
+                <a:sym typeface="+mn-ea"/>
+              </a:rPr>
+              <a:t>Информация, загружающаяся из базы данных стала более структурированной</a:t>
+            </a:r>
+            <a:endParaRPr lang="ru-RU" altLang="en-US" sz="2800"/>
+          </a:p>
+        </p:txBody>
+      </p:sp>
+      <p:sp>
+        <p:nvSpPr>
+          <p:cNvPr id="7" name="Скругленный прямоугольник 6"/>
+          <p:cNvSpPr/>
+          <p:nvPr/>
+        </p:nvSpPr>
+        <p:spPr>
+          <a:xfrm>
+            <a:off x="803275" y="5229225"/>
+            <a:ext cx="10394950" cy="882650"/>
+          </a:xfrm>
+          <a:prstGeom prst="roundRect">
+            <a:avLst/>
+          </a:prstGeom>
+          <a:solidFill>
+            <a:srgbClr val="051C2C"/>
+          </a:solidFill>
+          <a:ln>
+            <a:solidFill>
+              <a:schemeClr val="bg1"/>
+            </a:solidFill>
+          </a:ln>
+        </p:spPr>
+        <p:style>
+          <a:lnRef idx="2">
+            <a:schemeClr val="accent1">
+              <a:lumMod val="75000"/>
+            </a:schemeClr>
+          </a:lnRef>
+          <a:fillRef idx="1">
+            <a:schemeClr val="accent1"/>
+          </a:fillRef>
+          <a:effectRef idx="0">
+            <a:srgbClr val="FFFFFF"/>
+          </a:effectRef>
+          <a:fontRef idx="minor">
+            <a:schemeClr val="lt1"/>
+          </a:fontRef>
+        </p:style>
+        <p:txBody>
+          <a:bodyPr rtlCol="0" anchor="ctr"/>
+          <a:p>
+            <a:pPr algn="ctr">
               <a:lnSpc>
                 <a:spcPct val="100000"/>
               </a:lnSpc>
-              <a:buFont typeface="Arial" panose="020B0604020202020204" pitchFamily="34" charset="0"/>
-              <a:buChar char="•"/>
             </a:pPr>
             <a:r>
-              <a:rPr lang="ru-RU" altLang="en-US">
+              <a:rPr lang="ru-RU" altLang="en-US" sz="2800">
                 <a:solidFill>
                   <a:schemeClr val="bg1"/>
                 </a:solidFill>
-              </a:rPr>
-              <a:t>Появилась возможность «сворачивать» информацию из базы данных для более удобной работы с её большим количеством.</a:t>
-            </a:r>
-            <a:endParaRPr lang="ru-RU" altLang="en-US">
-              <a:solidFill>
-                <a:schemeClr val="bg1"/>
-              </a:solidFill>
-            </a:endParaRPr>
+                <a:sym typeface="+mn-ea"/>
+              </a:rPr>
+              <a:t>Появилась возможность «сворачивать» информацию из базы данных для более удобной работы с её большим количеством</a:t>
+            </a:r>
+            <a:endParaRPr lang="ru-RU" altLang="en-US" sz="2800"/>
           </a:p>
         </p:txBody>
       </p:sp>
@@ -4319,22 +4610,6 @@
 <file path=ppt/slides/slide12.xml><?xml version="1.0" encoding="utf-8"?>
 <p:sld xmlns:a="http://schemas.openxmlformats.org/drawingml/2006/main" xmlns:r="http://schemas.openxmlformats.org/officeDocument/2006/relationships" xmlns:p="http://schemas.openxmlformats.org/presentationml/2006/main">
   <p:cSld>
-    <p:bg>
-      <p:bgPr>
-        <a:gradFill>
-          <a:gsLst>
-            <a:gs pos="0">
-              <a:srgbClr val="FE4444"/>
-            </a:gs>
-            <a:gs pos="100000">
-              <a:srgbClr val="832B2B"/>
-            </a:gs>
-          </a:gsLst>
-          <a:lin scaled="0"/>
-        </a:gradFill>
-        <a:effectLst/>
-      </p:bgPr>
-    </p:bg>
     <p:spTree>
       <p:nvGrpSpPr>
         <p:cNvPr id="1" name=""/>
@@ -4373,91 +4648,203 @@
           </a:p>
         </p:txBody>
       </p:sp>
-      <p:sp>
-        <p:nvSpPr>
-          <p:cNvPr id="3" name="Замещающее содержимое 2"/>
-          <p:cNvSpPr>
-            <a:spLocks noGrp="1"/>
-          </p:cNvSpPr>
-          <p:nvPr>
-            <p:ph idx="1"/>
-          </p:nvPr>
-        </p:nvSpPr>
-        <p:spPr>
-          <a:xfrm>
-            <a:off x="647700" y="2489200"/>
-            <a:ext cx="10515600" cy="3688080"/>
-          </a:xfrm>
-        </p:spPr>
-        <p:txBody>
-          <a:bodyPr/>
+      <p:pic>
+        <p:nvPicPr>
+          <p:cNvPr id="4" name="Изображение 3" descr="Colorado"/>
+          <p:cNvPicPr>
+            <a:picLocks noChangeAspect="1"/>
+          </p:cNvPicPr>
+          <p:nvPr/>
+        </p:nvPicPr>
+        <p:blipFill>
+          <a:blip r:embed="rId1"/>
+          <a:stretch>
+            <a:fillRect/>
+          </a:stretch>
+        </p:blipFill>
+        <p:spPr>
+          <a:xfrm>
+            <a:off x="4505325" y="4454525"/>
+            <a:ext cx="2800000" cy="1800000"/>
+          </a:xfrm>
+          <a:prstGeom prst="rect">
+            <a:avLst/>
+          </a:prstGeom>
+        </p:spPr>
+      </p:pic>
+      <p:pic>
+        <p:nvPicPr>
+          <p:cNvPr id="5" name="Изображение 4" descr="Colorado"/>
+          <p:cNvPicPr>
+            <a:picLocks noChangeAspect="1"/>
+          </p:cNvPicPr>
+          <p:nvPr/>
+        </p:nvPicPr>
+        <p:blipFill>
+          <a:blip r:embed="rId1"/>
+          <a:stretch>
+            <a:fillRect/>
+          </a:stretch>
+        </p:blipFill>
+        <p:spPr>
+          <a:xfrm>
+            <a:off x="647700" y="4454525"/>
+            <a:ext cx="2800000" cy="1800000"/>
+          </a:xfrm>
+          <a:prstGeom prst="rect">
+            <a:avLst/>
+          </a:prstGeom>
+        </p:spPr>
+      </p:pic>
+      <p:pic>
+        <p:nvPicPr>
+          <p:cNvPr id="6" name="Изображение 5" descr="Colorado"/>
+          <p:cNvPicPr>
+            <a:picLocks noChangeAspect="1"/>
+          </p:cNvPicPr>
+          <p:nvPr/>
+        </p:nvPicPr>
+        <p:blipFill>
+          <a:blip r:embed="rId1"/>
+          <a:stretch>
+            <a:fillRect/>
+          </a:stretch>
+        </p:blipFill>
+        <p:spPr>
+          <a:xfrm>
+            <a:off x="8362950" y="4454525"/>
+            <a:ext cx="2800000" cy="1800000"/>
+          </a:xfrm>
+          <a:prstGeom prst="rect">
+            <a:avLst/>
+          </a:prstGeom>
+        </p:spPr>
+      </p:pic>
+      <p:sp>
+        <p:nvSpPr>
+          <p:cNvPr id="7" name="Скругленный прямоугольник 6"/>
+          <p:cNvSpPr/>
+          <p:nvPr/>
+        </p:nvSpPr>
+        <p:spPr>
+          <a:xfrm>
+            <a:off x="647700" y="2489835"/>
+            <a:ext cx="10515600" cy="1964690"/>
+          </a:xfrm>
+          <a:prstGeom prst="roundRect">
+            <a:avLst/>
+          </a:prstGeom>
+          <a:solidFill>
+            <a:srgbClr val="051C2C"/>
+          </a:solidFill>
+          <a:ln>
+            <a:solidFill>
+              <a:schemeClr val="bg1"/>
+            </a:solidFill>
+          </a:ln>
+        </p:spPr>
+        <p:style>
+          <a:lnRef idx="2">
+            <a:schemeClr val="accent1"/>
+          </a:lnRef>
+          <a:fillRef idx="0">
+            <a:srgbClr val="FFFFFF"/>
+          </a:fillRef>
+          <a:effectRef idx="0">
+            <a:srgbClr val="FFFFFF"/>
+          </a:effectRef>
+          <a:fontRef idx="minor">
+            <a:schemeClr val="tx1"/>
+          </a:fontRef>
+        </p:style>
+        <p:txBody>
+          <a:bodyPr rtlCol="0" anchor="ctr"/>
           <a:p>
             <a:pPr algn="ctr"/>
             <a:r>
-              <a:rPr lang="ru-RU" altLang="en-US">
+              <a:rPr lang="ru-RU" altLang="en-US" sz="2400">
                 <a:solidFill>
                   <a:schemeClr val="bg1"/>
                 </a:solidFill>
-              </a:rPr>
-              <a:t>В ходе выполнения проекта было сделано следующее:</a:t>
-            </a:r>
-            <a:endParaRPr lang="ru-RU" altLang="en-US">
+                <a:sym typeface="+mn-ea"/>
+              </a:rPr>
+              <a:t>В ходе выполнения проекта был создан и </a:t>
+            </a:r>
+            <a:r>
+              <a:rPr lang="ru-RU" altLang="en-US" sz="2400">
+                <a:solidFill>
+                  <a:schemeClr val="bg1"/>
+                </a:solidFill>
+                <a:sym typeface="+mn-ea"/>
+              </a:rPr>
+              <a:t>оформлен в виде веб-сайта сервер</a:t>
+            </a:r>
+            <a:r>
+              <a:rPr lang="ru-RU" altLang="en-US" sz="2400">
+                <a:solidFill>
+                  <a:schemeClr val="bg1"/>
+                </a:solidFill>
+                <a:sym typeface="+mn-ea"/>
+              </a:rPr>
+              <a:t>, с помощью которого отслеживается работа службы доставки «Самокат» и создана база данных, которой можно управлять.</a:t>
+            </a:r>
+            <a:endParaRPr lang="ru-RU" altLang="en-US" sz="2400">
               <a:solidFill>
                 <a:schemeClr val="bg1"/>
               </a:solidFill>
+              <a:sym typeface="+mn-ea"/>
             </a:endParaRPr>
           </a:p>
-          <a:p>
-            <a:pPr algn="ctr"/>
-            <a:r>
-              <a:rPr lang="ru-RU" altLang="en-US">
-                <a:solidFill>
-                  <a:schemeClr val="bg1"/>
-                </a:solidFill>
-              </a:rPr>
-              <a:t>Создан и </a:t>
-            </a:r>
-            <a:r>
-              <a:rPr lang="ru-RU" altLang="en-US">
-                <a:solidFill>
-                  <a:schemeClr val="bg1"/>
-                </a:solidFill>
-                <a:sym typeface="+mn-ea"/>
-              </a:rPr>
-              <a:t>оформлен в виде веб-сайта сервер</a:t>
-            </a:r>
-            <a:r>
-              <a:rPr lang="ru-RU" altLang="en-US">
-                <a:solidFill>
-                  <a:schemeClr val="bg1"/>
-                </a:solidFill>
-              </a:rPr>
-              <a:t>, с помощью которого отслеживается работа службы доставки «Самокат»;</a:t>
-            </a:r>
-            <a:endParaRPr lang="ru-RU" altLang="en-US">
-              <a:solidFill>
-                <a:schemeClr val="bg1"/>
-              </a:solidFill>
-            </a:endParaRPr>
-          </a:p>
-          <a:p>
-            <a:pPr algn="ctr"/>
-            <a:r>
-              <a:rPr lang="ru-RU" altLang="en-US">
-                <a:solidFill>
-                  <a:schemeClr val="bg1"/>
-                </a:solidFill>
-              </a:rPr>
-              <a:t>Создана база данных, которой можно управлять.</a:t>
-            </a:r>
-            <a:endParaRPr lang="ru-RU" altLang="en-US">
-              <a:solidFill>
-                <a:schemeClr val="bg1"/>
-              </a:solidFill>
-            </a:endParaRPr>
-          </a:p>
-        </p:txBody>
-      </p:sp>
+        </p:txBody>
+      </p:sp>
+      <p:pic>
+        <p:nvPicPr>
+          <p:cNvPr id="8" name="Изображение 7" descr="Colorado"/>
+          <p:cNvPicPr>
+            <a:picLocks noChangeAspect="1"/>
+          </p:cNvPicPr>
+          <p:nvPr/>
+        </p:nvPicPr>
+        <p:blipFill>
+          <a:blip r:embed="rId1"/>
+          <a:stretch>
+            <a:fillRect/>
+          </a:stretch>
+        </p:blipFill>
+        <p:spPr>
+          <a:xfrm>
+            <a:off x="647700" y="689610"/>
+            <a:ext cx="2800000" cy="1800000"/>
+          </a:xfrm>
+          <a:prstGeom prst="rect">
+            <a:avLst/>
+          </a:prstGeom>
+        </p:spPr>
+      </p:pic>
+      <p:pic>
+        <p:nvPicPr>
+          <p:cNvPr id="9" name="Изображение 8" descr="Colorado"/>
+          <p:cNvPicPr>
+            <a:picLocks noChangeAspect="1"/>
+          </p:cNvPicPr>
+          <p:nvPr/>
+        </p:nvPicPr>
+        <p:blipFill>
+          <a:blip r:embed="rId1"/>
+          <a:stretch>
+            <a:fillRect/>
+          </a:stretch>
+        </p:blipFill>
+        <p:spPr>
+          <a:xfrm>
+            <a:off x="8363585" y="689610"/>
+            <a:ext cx="2800000" cy="1800000"/>
+          </a:xfrm>
+          <a:prstGeom prst="rect">
+            <a:avLst/>
+          </a:prstGeom>
+        </p:spPr>
+      </p:pic>
     </p:spTree>
   </p:cSld>
   <p:clrMapOvr>
@@ -4469,22 +4856,6 @@
 <file path=ppt/slides/slide2.xml><?xml version="1.0" encoding="utf-8"?>
 <p:sld xmlns:a="http://schemas.openxmlformats.org/drawingml/2006/main" xmlns:r="http://schemas.openxmlformats.org/officeDocument/2006/relationships" xmlns:p="http://schemas.openxmlformats.org/presentationml/2006/main">
   <p:cSld>
-    <p:bg>
-      <p:bgPr>
-        <a:gradFill>
-          <a:gsLst>
-            <a:gs pos="0">
-              <a:srgbClr val="FE4444"/>
-            </a:gs>
-            <a:gs pos="100000">
-              <a:srgbClr val="832B2B"/>
-            </a:gs>
-          </a:gsLst>
-          <a:lin scaled="0"/>
-        </a:gradFill>
-        <a:effectLst/>
-      </p:bgPr>
-    </p:bg>
     <p:spTree>
       <p:nvGrpSpPr>
         <p:cNvPr id="1" name=""/>
@@ -4514,60 +4885,6 @@
                 </a:solidFill>
               </a:rPr>
               <a:t>Актуальность проекта.</a:t>
-            </a:r>
-            <a:endParaRPr lang="ru-RU" altLang="en-US">
-              <a:solidFill>
-                <a:schemeClr val="bg1"/>
-              </a:solidFill>
-            </a:endParaRPr>
-          </a:p>
-        </p:txBody>
-      </p:sp>
-      <p:sp>
-        <p:nvSpPr>
-          <p:cNvPr id="5" name="Замещающее содержимое 4"/>
-          <p:cNvSpPr>
-            <a:spLocks noGrp="1"/>
-          </p:cNvSpPr>
-          <p:nvPr>
-            <p:ph idx="1"/>
-          </p:nvPr>
-        </p:nvSpPr>
-        <p:spPr>
-          <a:xfrm>
-            <a:off x="647700" y="1584325"/>
-            <a:ext cx="10515600" cy="4592955"/>
-          </a:xfrm>
-        </p:spPr>
-        <p:txBody>
-          <a:bodyPr>
-            <a:normAutofit/>
-          </a:bodyPr>
-          <a:p>
-            <a:pPr algn="ctr"/>
-            <a:r>
-              <a:rPr lang="ru-RU" altLang="en-US">
-                <a:solidFill>
-                  <a:schemeClr val="bg1"/>
-                </a:solidFill>
-              </a:rPr>
-              <a:t>В современном мире достаточно популярны службы доставки, но у дронов-курьеров далеко не всегда получается вовремя доставить заказ тому или иному клиенту.</a:t>
-            </a:r>
-            <a:endParaRPr lang="ru-RU" altLang="en-US">
-              <a:solidFill>
-                <a:schemeClr val="bg1"/>
-              </a:solidFill>
-            </a:endParaRPr>
-          </a:p>
-          <a:p>
-            <a:pPr algn="ctr"/>
-            <a:r>
-              <a:rPr lang="ru-RU" altLang="en-US">
-                <a:solidFill>
-                  <a:schemeClr val="bg1"/>
-                </a:solidFill>
-              </a:rPr>
-              <a:t>Чтобы это исправить, нужно оптимизировать управленческую структуру работы сетей служб доставки.</a:t>
             </a:r>
             <a:endParaRPr lang="ru-RU" altLang="en-US">
               <a:solidFill>
@@ -4585,14 +4902,15 @@
         </p:nvPicPr>
         <p:blipFill>
           <a:blip r:embed="rId1"/>
+          <a:srcRect/>
           <a:stretch>
             <a:fillRect/>
           </a:stretch>
         </p:blipFill>
         <p:spPr>
           <a:xfrm>
-            <a:off x="3630930" y="3844290"/>
-            <a:ext cx="4549140" cy="2587625"/>
+            <a:off x="4383405" y="1584325"/>
+            <a:ext cx="3045460" cy="2284095"/>
           </a:xfrm>
           <a:prstGeom prst="rect">
             <a:avLst/>
@@ -4602,6 +4920,130 @@
               <a:schemeClr val="bg1"/>
             </a:solidFill>
           </a:ln>
+        </p:spPr>
+      </p:pic>
+      <p:sp>
+        <p:nvSpPr>
+          <p:cNvPr id="6" name="Скругленный прямоугольник 5"/>
+          <p:cNvSpPr/>
+          <p:nvPr/>
+        </p:nvSpPr>
+        <p:spPr>
+          <a:xfrm>
+            <a:off x="647700" y="4166235"/>
+            <a:ext cx="10516235" cy="2290445"/>
+          </a:xfrm>
+          <a:prstGeom prst="roundRect">
+            <a:avLst/>
+          </a:prstGeom>
+          <a:solidFill>
+            <a:srgbClr val="051C2C"/>
+          </a:solidFill>
+          <a:ln>
+            <a:solidFill>
+              <a:schemeClr val="bg1"/>
+            </a:solidFill>
+          </a:ln>
+        </p:spPr>
+        <p:style>
+          <a:lnRef idx="2">
+            <a:schemeClr val="accent1"/>
+          </a:lnRef>
+          <a:fillRef idx="0">
+            <a:srgbClr val="FFFFFF"/>
+          </a:fillRef>
+          <a:effectRef idx="0">
+            <a:srgbClr val="FFFFFF"/>
+          </a:effectRef>
+          <a:fontRef idx="minor">
+            <a:schemeClr val="tx1"/>
+          </a:fontRef>
+        </p:style>
+        <p:txBody>
+          <a:bodyPr rtlCol="0" anchor="ctr"/>
+          <a:p>
+            <a:pPr algn="ctr"/>
+            <a:r>
+              <a:rPr lang="ru-RU" altLang="en-US" sz="2800">
+                <a:solidFill>
+                  <a:schemeClr val="bg1"/>
+                </a:solidFill>
+                <a:cs typeface="+mn-lt"/>
+                <a:sym typeface="+mn-ea"/>
+              </a:rPr>
+              <a:t>В современном мире достаточно популярны службы доставки, но у дронов-курьеров далеко не всегда получается вовремя доставить заказ тому или иному клиенту.</a:t>
+            </a:r>
+            <a:endParaRPr lang="ru-RU" altLang="en-US" sz="2800">
+              <a:solidFill>
+                <a:schemeClr val="bg1"/>
+              </a:solidFill>
+              <a:cs typeface="+mn-lt"/>
+            </a:endParaRPr>
+          </a:p>
+          <a:p>
+            <a:pPr algn="ctr"/>
+            <a:r>
+              <a:rPr lang="ru-RU" altLang="en-US" sz="2800">
+                <a:solidFill>
+                  <a:schemeClr val="bg1"/>
+                </a:solidFill>
+                <a:cs typeface="+mn-lt"/>
+                <a:sym typeface="+mn-ea"/>
+              </a:rPr>
+              <a:t>Чтобы это исправить, нужно оптимизировать управленческую структуру работы сетей служб доставки.</a:t>
+            </a:r>
+            <a:endParaRPr lang="ru-RU" altLang="en-US" sz="2800">
+              <a:cs typeface="+mn-lt"/>
+            </a:endParaRPr>
+          </a:p>
+        </p:txBody>
+      </p:sp>
+      <p:pic>
+        <p:nvPicPr>
+          <p:cNvPr id="3" name="Изображение 2" descr="San Jose"/>
+          <p:cNvPicPr>
+            <a:picLocks noChangeAspect="1"/>
+          </p:cNvPicPr>
+          <p:nvPr/>
+        </p:nvPicPr>
+        <p:blipFill>
+          <a:blip r:embed="rId2"/>
+          <a:stretch>
+            <a:fillRect/>
+          </a:stretch>
+        </p:blipFill>
+        <p:spPr>
+          <a:xfrm>
+            <a:off x="647700" y="1584325"/>
+            <a:ext cx="3552190" cy="2284095"/>
+          </a:xfrm>
+          <a:prstGeom prst="rect">
+            <a:avLst/>
+          </a:prstGeom>
+        </p:spPr>
+      </p:pic>
+      <p:pic>
+        <p:nvPicPr>
+          <p:cNvPr id="5" name="Изображение 4" descr="San Jose"/>
+          <p:cNvPicPr>
+            <a:picLocks noChangeAspect="1"/>
+          </p:cNvPicPr>
+          <p:nvPr/>
+        </p:nvPicPr>
+        <p:blipFill>
+          <a:blip r:embed="rId2"/>
+          <a:stretch>
+            <a:fillRect/>
+          </a:stretch>
+        </p:blipFill>
+        <p:spPr>
+          <a:xfrm flipH="1">
+            <a:off x="7612380" y="1584325"/>
+            <a:ext cx="3552190" cy="2284095"/>
+          </a:xfrm>
+          <a:prstGeom prst="rect">
+            <a:avLst/>
+          </a:prstGeom>
         </p:spPr>
       </p:pic>
     </p:spTree>
@@ -4615,22 +5057,6 @@
 <file path=ppt/slides/slide3.xml><?xml version="1.0" encoding="utf-8"?>
 <p:sld xmlns:a="http://schemas.openxmlformats.org/drawingml/2006/main" xmlns:r="http://schemas.openxmlformats.org/officeDocument/2006/relationships" xmlns:p="http://schemas.openxmlformats.org/presentationml/2006/main">
   <p:cSld>
-    <p:bg>
-      <p:bgPr>
-        <a:gradFill>
-          <a:gsLst>
-            <a:gs pos="0">
-              <a:srgbClr val="FE4444"/>
-            </a:gs>
-            <a:gs pos="100000">
-              <a:srgbClr val="832B2B"/>
-            </a:gs>
-          </a:gsLst>
-          <a:lin scaled="0"/>
-        </a:gradFill>
-        <a:effectLst/>
-      </p:bgPr>
-    </p:bg>
     <p:spTree>
       <p:nvGrpSpPr>
         <p:cNvPr id="1" name=""/>
@@ -4671,122 +5097,188 @@
       </p:sp>
       <p:sp>
         <p:nvSpPr>
-          <p:cNvPr id="5" name="Замещающее содержимое 4"/>
-          <p:cNvSpPr>
-            <a:spLocks noGrp="1"/>
-          </p:cNvSpPr>
-          <p:nvPr>
-            <p:ph idx="1"/>
-          </p:nvPr>
-        </p:nvSpPr>
-        <p:spPr/>
-        <p:txBody>
-          <a:bodyPr/>
-          <a:p>
-            <a:r>
-              <a:rPr lang="ru-RU" altLang="en-US" b="1">
+          <p:cNvPr id="2" name="Скругленный прямоугольник 1"/>
+          <p:cNvSpPr/>
+          <p:nvPr/>
+        </p:nvSpPr>
+        <p:spPr>
+          <a:xfrm>
+            <a:off x="647700" y="1826895"/>
+            <a:ext cx="4515485" cy="4351020"/>
+          </a:xfrm>
+          <a:prstGeom prst="roundRect">
+            <a:avLst/>
+          </a:prstGeom>
+          <a:solidFill>
+            <a:srgbClr val="051C2C"/>
+          </a:solidFill>
+          <a:ln>
+            <a:solidFill>
+              <a:schemeClr val="bg1"/>
+            </a:solidFill>
+          </a:ln>
+        </p:spPr>
+        <p:style>
+          <a:lnRef idx="2">
+            <a:schemeClr val="accent1"/>
+          </a:lnRef>
+          <a:fillRef idx="0">
+            <a:srgbClr val="FFFFFF"/>
+          </a:fillRef>
+          <a:effectRef idx="0">
+            <a:srgbClr val="FFFFFF"/>
+          </a:effectRef>
+          <a:fontRef idx="minor">
+            <a:schemeClr val="tx1"/>
+          </a:fontRef>
+        </p:style>
+        <p:txBody>
+          <a:bodyPr rtlCol="0" anchor="ctr"/>
+          <a:p>
+            <a:pPr algn="ctr"/>
+            <a:r>
+              <a:rPr lang="ru-RU" altLang="en-US" sz="2800" b="1">
                 <a:solidFill>
                   <a:schemeClr val="bg1"/>
                 </a:solidFill>
+                <a:sym typeface="+mn-ea"/>
               </a:rPr>
               <a:t>Цель:</a:t>
             </a:r>
             <a:r>
-              <a:rPr lang="ru-RU" altLang="en-US">
+              <a:rPr lang="ru-RU" altLang="en-US" sz="2800">
                 <a:solidFill>
                   <a:schemeClr val="bg1"/>
                 </a:solidFill>
+                <a:sym typeface="+mn-ea"/>
               </a:rPr>
               <a:t> Упростить управление базой данных для повышения эффективности работы дронов-курьеров в службе доставки «</a:t>
             </a:r>
             <a:r>
-              <a:rPr lang="en-US" altLang="en-US">
+              <a:rPr lang="en-US" altLang="en-US" sz="2800">
                 <a:solidFill>
                   <a:schemeClr val="bg1"/>
                 </a:solidFill>
+                <a:sym typeface="+mn-ea"/>
               </a:rPr>
               <a:t>Zamokat</a:t>
             </a:r>
             <a:r>
-              <a:rPr lang="ru-RU" altLang="en-US">
+              <a:rPr lang="ru-RU" altLang="en-US" sz="2800">
                 <a:solidFill>
                   <a:schemeClr val="bg1"/>
                 </a:solidFill>
+                <a:sym typeface="+mn-ea"/>
               </a:rPr>
               <a:t>».</a:t>
             </a:r>
-            <a:endParaRPr lang="ru-RU" altLang="en-US">
+            <a:endParaRPr lang="ru-RU" altLang="en-US" sz="2800"/>
+          </a:p>
+        </p:txBody>
+      </p:sp>
+      <p:sp>
+        <p:nvSpPr>
+          <p:cNvPr id="3" name="Скругленный прямоугольник 2"/>
+          <p:cNvSpPr/>
+          <p:nvPr/>
+        </p:nvSpPr>
+        <p:spPr>
+          <a:xfrm>
+            <a:off x="6096000" y="1827530"/>
+            <a:ext cx="5067300" cy="4351655"/>
+          </a:xfrm>
+          <a:prstGeom prst="roundRect">
+            <a:avLst/>
+          </a:prstGeom>
+          <a:solidFill>
+            <a:srgbClr val="051C2C"/>
+          </a:solidFill>
+          <a:ln>
+            <a:solidFill>
+              <a:schemeClr val="bg1"/>
+            </a:solidFill>
+          </a:ln>
+        </p:spPr>
+        <p:style>
+          <a:lnRef idx="2">
+            <a:schemeClr val="accent1"/>
+          </a:lnRef>
+          <a:fillRef idx="0">
+            <a:srgbClr val="FFFFFF"/>
+          </a:fillRef>
+          <a:effectRef idx="0">
+            <a:srgbClr val="FFFFFF"/>
+          </a:effectRef>
+          <a:fontRef idx="minor">
+            <a:schemeClr val="tx1"/>
+          </a:fontRef>
+        </p:style>
+        <p:txBody>
+          <a:bodyPr rtlCol="0" anchor="ctr"/>
+          <a:p>
+            <a:pPr algn="ctr"/>
+            <a:r>
+              <a:rPr lang="ru-RU" altLang="en-US" sz="2800" b="1">
+                <a:solidFill>
+                  <a:schemeClr val="bg1"/>
+                </a:solidFill>
+                <a:sym typeface="+mn-ea"/>
+              </a:rPr>
+              <a:t>Задачи:</a:t>
+            </a:r>
+            <a:endParaRPr lang="ru-RU" altLang="en-US" sz="2800">
               <a:solidFill>
                 <a:schemeClr val="bg1"/>
               </a:solidFill>
             </a:endParaRPr>
           </a:p>
           <a:p>
-            <a:endParaRPr lang="ru-RU" altLang="en-US">
+            <a:pPr algn="ctr"/>
+            <a:r>
+              <a:rPr lang="ru-RU" altLang="en-US" sz="2800">
+                <a:solidFill>
+                  <a:schemeClr val="bg1"/>
+                </a:solidFill>
+                <a:sym typeface="+mn-ea"/>
+              </a:rPr>
+              <a:t>Создать базу данных дронов-курьеров, заказов;</a:t>
+            </a:r>
+            <a:endParaRPr lang="ru-RU" altLang="en-US" sz="2800">
+              <a:solidFill>
+                <a:schemeClr val="bg1"/>
+              </a:solidFill>
+              <a:sym typeface="+mn-ea"/>
+            </a:endParaRPr>
+          </a:p>
+          <a:p>
+            <a:pPr algn="ctr"/>
+            <a:r>
+              <a:rPr lang="ru-RU" altLang="en-US" sz="2800">
+                <a:solidFill>
+                  <a:schemeClr val="bg1"/>
+                </a:solidFill>
+                <a:sym typeface="+mn-ea"/>
+              </a:rPr>
+              <a:t>Создать сервер, с помощью которого можно отслеживать работу курьеров;</a:t>
+            </a:r>
+            <a:endParaRPr lang="ru-RU" altLang="en-US" sz="2800">
               <a:solidFill>
                 <a:schemeClr val="bg1"/>
               </a:solidFill>
             </a:endParaRPr>
           </a:p>
           <a:p>
-            <a:r>
-              <a:rPr lang="ru-RU" altLang="en-US" b="1">
+            <a:pPr algn="ctr"/>
+            <a:r>
+              <a:rPr lang="ru-RU" altLang="en-US" sz="2800">
                 <a:solidFill>
                   <a:schemeClr val="bg1"/>
                 </a:solidFill>
-              </a:rPr>
-              <a:t>Задачи:</a:t>
-            </a:r>
-            <a:endParaRPr lang="ru-RU" altLang="en-US">
-              <a:solidFill>
-                <a:schemeClr val="bg1"/>
-              </a:solidFill>
-            </a:endParaRPr>
-          </a:p>
-          <a:p>
-            <a:r>
-              <a:rPr lang="ru-RU" altLang="en-US">
-                <a:solidFill>
-                  <a:schemeClr val="bg1"/>
-                </a:solidFill>
-              </a:rPr>
-              <a:t>Создать базу данных дронов-курьеров, заказов, и т. д.;</a:t>
-            </a:r>
-            <a:endParaRPr lang="ru-RU" altLang="en-US">
-              <a:solidFill>
-                <a:schemeClr val="bg1"/>
-              </a:solidFill>
-            </a:endParaRPr>
-          </a:p>
-          <a:p>
-            <a:r>
-              <a:rPr lang="ru-RU" altLang="en-US">
-                <a:solidFill>
-                  <a:schemeClr val="bg1"/>
-                </a:solidFill>
-              </a:rPr>
-              <a:t>Создать сервер, с помощью которого можно отслеживать работу курьеров;</a:t>
-            </a:r>
-            <a:endParaRPr lang="ru-RU" altLang="en-US">
-              <a:solidFill>
-                <a:schemeClr val="bg1"/>
-              </a:solidFill>
-            </a:endParaRPr>
-          </a:p>
-          <a:p>
-            <a:r>
-              <a:rPr lang="ru-RU" altLang="en-US">
-                <a:solidFill>
-                  <a:schemeClr val="bg1"/>
-                </a:solidFill>
+                <a:sym typeface="+mn-ea"/>
               </a:rPr>
               <a:t>Оформить в виде веб-приложения. </a:t>
             </a:r>
-            <a:endParaRPr lang="ru-RU" altLang="en-US">
-              <a:solidFill>
-                <a:schemeClr val="bg1"/>
-              </a:solidFill>
-            </a:endParaRPr>
+            <a:endParaRPr lang="ru-RU" altLang="en-US" sz="2800"/>
           </a:p>
         </p:txBody>
       </p:sp>
@@ -4801,22 +5293,6 @@
 <file path=ppt/slides/slide4.xml><?xml version="1.0" encoding="utf-8"?>
 <p:sld xmlns:a="http://schemas.openxmlformats.org/drawingml/2006/main" xmlns:r="http://schemas.openxmlformats.org/officeDocument/2006/relationships" xmlns:p="http://schemas.openxmlformats.org/presentationml/2006/main">
   <p:cSld>
-    <p:bg>
-      <p:bgPr>
-        <a:gradFill>
-          <a:gsLst>
-            <a:gs pos="0">
-              <a:srgbClr val="FE4444"/>
-            </a:gs>
-            <a:gs pos="100000">
-              <a:srgbClr val="832B2B"/>
-            </a:gs>
-          </a:gsLst>
-          <a:lin scaled="0"/>
-        </a:gradFill>
-        <a:effectLst/>
-      </p:bgPr>
-    </p:bg>
     <p:spTree>
       <p:nvGrpSpPr>
         <p:cNvPr id="1" name=""/>
@@ -4857,149 +5333,243 @@
       </p:sp>
       <p:sp>
         <p:nvSpPr>
-          <p:cNvPr id="5" name="Замещающее содержимое 4"/>
-          <p:cNvSpPr>
-            <a:spLocks noGrp="1"/>
-          </p:cNvSpPr>
-          <p:nvPr>
-            <p:ph idx="1"/>
-          </p:nvPr>
-        </p:nvSpPr>
-        <p:spPr>
-          <a:xfrm>
-            <a:off x="647700" y="1825625"/>
-            <a:ext cx="9598660" cy="4351655"/>
-          </a:xfrm>
-        </p:spPr>
-        <p:txBody>
-          <a:bodyPr/>
-          <a:p>
-            <a:pPr algn="just"/>
-            <a:r>
-              <a:rPr lang="ru-RU" altLang="en-US">
+          <p:cNvPr id="2" name="Скругленный прямоугольник 1"/>
+          <p:cNvSpPr/>
+          <p:nvPr/>
+        </p:nvSpPr>
+        <p:spPr>
+          <a:xfrm>
+            <a:off x="1106170" y="3295015"/>
+            <a:ext cx="9598660" cy="906145"/>
+          </a:xfrm>
+          <a:prstGeom prst="roundRect">
+            <a:avLst/>
+          </a:prstGeom>
+          <a:solidFill>
+            <a:srgbClr val="051C2C"/>
+          </a:solidFill>
+          <a:ln>
+            <a:solidFill>
+              <a:schemeClr val="bg1"/>
+            </a:solidFill>
+          </a:ln>
+        </p:spPr>
+        <p:style>
+          <a:lnRef idx="2">
+            <a:schemeClr val="accent1"/>
+          </a:lnRef>
+          <a:fillRef idx="0">
+            <a:srgbClr val="FFFFFF"/>
+          </a:fillRef>
+          <a:effectRef idx="0">
+            <a:srgbClr val="FFFFFF"/>
+          </a:effectRef>
+          <a:fontRef idx="minor">
+            <a:schemeClr val="tx1"/>
+          </a:fontRef>
+        </p:style>
+        <p:txBody>
+          <a:bodyPr rtlCol="0" anchor="ctr"/>
+          <a:p>
+            <a:pPr algn="ctr"/>
+            <a:r>
+              <a:rPr lang="ru-RU" altLang="en-US" sz="2800">
                 <a:solidFill>
                   <a:schemeClr val="bg1"/>
                 </a:solidFill>
+                <a:sym typeface="+mn-ea"/>
+              </a:rPr>
+              <a:t>Программа, являющаяся сервером, была написана на языке </a:t>
+            </a:r>
+            <a:r>
+              <a:rPr lang="en-US" altLang="en-US" sz="2800">
+                <a:solidFill>
+                  <a:schemeClr val="bg1"/>
+                </a:solidFill>
+                <a:sym typeface="+mn-ea"/>
+              </a:rPr>
+              <a:t>JavaScript.</a:t>
+            </a:r>
+            <a:r>
+              <a:rPr lang="ru-RU" altLang="en-US" sz="2800">
+                <a:solidFill>
+                  <a:schemeClr val="bg1"/>
+                </a:solidFill>
+                <a:sym typeface="+mn-ea"/>
+              </a:rPr>
+              <a:t> </a:t>
+            </a:r>
+            <a:endParaRPr lang="ru-RU" altLang="en-US" sz="2800"/>
+          </a:p>
+        </p:txBody>
+      </p:sp>
+      <p:sp>
+        <p:nvSpPr>
+          <p:cNvPr id="3" name="Скругленный прямоугольник 2"/>
+          <p:cNvSpPr/>
+          <p:nvPr/>
+        </p:nvSpPr>
+        <p:spPr>
+          <a:xfrm>
+            <a:off x="1106170" y="1584325"/>
+            <a:ext cx="9598660" cy="906145"/>
+          </a:xfrm>
+          <a:prstGeom prst="roundRect">
+            <a:avLst/>
+          </a:prstGeom>
+          <a:solidFill>
+            <a:srgbClr val="051C2C"/>
+          </a:solidFill>
+          <a:ln>
+            <a:solidFill>
+              <a:schemeClr val="bg1"/>
+            </a:solidFill>
+          </a:ln>
+        </p:spPr>
+        <p:style>
+          <a:lnRef idx="2">
+            <a:schemeClr val="accent1"/>
+          </a:lnRef>
+          <a:fillRef idx="0">
+            <a:srgbClr val="FFFFFF"/>
+          </a:fillRef>
+          <a:effectRef idx="0">
+            <a:srgbClr val="FFFFFF"/>
+          </a:effectRef>
+          <a:fontRef idx="minor">
+            <a:schemeClr val="tx1"/>
+          </a:fontRef>
+        </p:style>
+        <p:txBody>
+          <a:bodyPr rtlCol="0" anchor="ctr"/>
+          <a:p>
+            <a:pPr algn="ctr"/>
+            <a:r>
+              <a:rPr lang="ru-RU" altLang="en-US" sz="2800">
+                <a:solidFill>
+                  <a:schemeClr val="bg1"/>
+                </a:solidFill>
+                <a:sym typeface="+mn-ea"/>
               </a:rPr>
               <a:t>Программа, управляющая базой данных, была написана на языке </a:t>
             </a:r>
             <a:r>
-              <a:rPr lang="en-US" altLang="en-US">
+              <a:rPr lang="en-US" altLang="en-US" sz="2800">
                 <a:solidFill>
                   <a:schemeClr val="bg1"/>
                 </a:solidFill>
+                <a:sym typeface="+mn-ea"/>
               </a:rPr>
               <a:t>C++</a:t>
             </a:r>
             <a:r>
-              <a:rPr lang="ru-RU" altLang="en-US">
+              <a:rPr lang="ru-RU" altLang="en-US" sz="2800">
                 <a:solidFill>
                   <a:schemeClr val="bg1"/>
                 </a:solidFill>
+                <a:sym typeface="+mn-ea"/>
               </a:rPr>
               <a:t>.</a:t>
             </a:r>
-            <a:endParaRPr lang="ru-RU" altLang="en-US">
+            <a:endParaRPr lang="ru-RU" altLang="en-US" sz="2800"/>
+          </a:p>
+        </p:txBody>
+      </p:sp>
+      <p:sp>
+        <p:nvSpPr>
+          <p:cNvPr id="6" name="Скругленный прямоугольник 5"/>
+          <p:cNvSpPr/>
+          <p:nvPr/>
+        </p:nvSpPr>
+        <p:spPr>
+          <a:xfrm>
+            <a:off x="1106170" y="5005705"/>
+            <a:ext cx="9598660" cy="1031240"/>
+          </a:xfrm>
+          <a:prstGeom prst="roundRect">
+            <a:avLst/>
+          </a:prstGeom>
+          <a:solidFill>
+            <a:srgbClr val="051C2C"/>
+          </a:solidFill>
+          <a:ln>
+            <a:solidFill>
+              <a:schemeClr val="bg1"/>
+            </a:solidFill>
+          </a:ln>
+        </p:spPr>
+        <p:style>
+          <a:lnRef idx="2">
+            <a:schemeClr val="accent1"/>
+          </a:lnRef>
+          <a:fillRef idx="0">
+            <a:srgbClr val="FFFFFF"/>
+          </a:fillRef>
+          <a:effectRef idx="0">
+            <a:srgbClr val="FFFFFF"/>
+          </a:effectRef>
+          <a:fontRef idx="minor">
+            <a:schemeClr val="tx1"/>
+          </a:fontRef>
+        </p:style>
+        <p:txBody>
+          <a:bodyPr rtlCol="0" anchor="t" anchorCtr="0"/>
+          <a:p>
+            <a:pPr algn="ctr"/>
+            <a:r>
+              <a:rPr lang="ru-RU" altLang="ru-RU" sz="2800">
+                <a:solidFill>
+                  <a:schemeClr val="bg1"/>
+                </a:solidFill>
+                <a:sym typeface="+mn-ea"/>
+              </a:rPr>
+              <a:t>Визуальная составляющая страницы была написана на языке разметки </a:t>
+            </a:r>
+            <a:r>
+              <a:rPr lang="en-US" altLang="ru-RU" sz="2800">
+                <a:solidFill>
+                  <a:schemeClr val="bg1"/>
+                </a:solidFill>
+                <a:sym typeface="+mn-ea"/>
+              </a:rPr>
+              <a:t>html</a:t>
+            </a:r>
+            <a:r>
+              <a:rPr lang="ru-RU" altLang="en-US" sz="2800">
+                <a:solidFill>
+                  <a:schemeClr val="bg1"/>
+                </a:solidFill>
+                <a:sym typeface="+mn-ea"/>
+              </a:rPr>
+              <a:t> с использованием </a:t>
+            </a:r>
+            <a:r>
+              <a:rPr lang="en-US" altLang="en-US" sz="2800">
+                <a:solidFill>
+                  <a:schemeClr val="bg1"/>
+                </a:solidFill>
+                <a:sym typeface="+mn-ea"/>
+              </a:rPr>
+              <a:t>Vue.js</a:t>
+            </a:r>
+            <a:r>
+              <a:rPr lang="ru-RU" altLang="en-US" sz="2800">
+                <a:solidFill>
+                  <a:schemeClr val="bg1"/>
+                </a:solidFill>
+                <a:sym typeface="+mn-ea"/>
+              </a:rPr>
+              <a:t>.</a:t>
+            </a:r>
+            <a:endParaRPr lang="ru-RU" altLang="en-US" sz="2800">
               <a:solidFill>
                 <a:schemeClr val="bg1"/>
               </a:solidFill>
             </a:endParaRPr>
           </a:p>
           <a:p>
-            <a:pPr algn="just"/>
-            <a:r>
-              <a:rPr lang="ru-RU" altLang="en-US">
-                <a:solidFill>
-                  <a:schemeClr val="bg1"/>
-                </a:solidFill>
-              </a:rPr>
-              <a:t>Программа, являющаяся сервером, была написана на языке </a:t>
-            </a:r>
-            <a:r>
-              <a:rPr lang="en-US" altLang="en-US">
-                <a:solidFill>
-                  <a:schemeClr val="bg1"/>
-                </a:solidFill>
-              </a:rPr>
-              <a:t>JavaScript.</a:t>
-            </a:r>
-            <a:r>
-              <a:rPr lang="ru-RU" altLang="en-US">
-                <a:solidFill>
-                  <a:schemeClr val="bg1"/>
-                </a:solidFill>
-              </a:rPr>
-              <a:t> </a:t>
-            </a:r>
-            <a:endParaRPr lang="ru-RU" altLang="en-US">
-              <a:solidFill>
-                <a:schemeClr val="bg1"/>
-              </a:solidFill>
-            </a:endParaRPr>
-          </a:p>
-          <a:p>
-            <a:pPr algn="just"/>
-            <a:r>
-              <a:rPr lang="ru-RU" altLang="ru-RU">
-                <a:solidFill>
-                  <a:schemeClr val="bg1"/>
-                </a:solidFill>
-              </a:rPr>
-              <a:t>Визуальная составляющая страницы была написана на языке разметки </a:t>
-            </a:r>
-            <a:r>
-              <a:rPr lang="en-US" altLang="ru-RU">
-                <a:solidFill>
-                  <a:schemeClr val="bg1"/>
-                </a:solidFill>
-              </a:rPr>
-              <a:t>html</a:t>
-            </a:r>
-            <a:r>
-              <a:rPr lang="ru-RU" altLang="en-US">
-                <a:solidFill>
-                  <a:schemeClr val="bg1"/>
-                </a:solidFill>
-              </a:rPr>
-              <a:t> с использованием </a:t>
-            </a:r>
-            <a:r>
-              <a:rPr lang="en-US" altLang="en-US">
-                <a:solidFill>
-                  <a:schemeClr val="bg1"/>
-                </a:solidFill>
-              </a:rPr>
-              <a:t>Vue.js</a:t>
-            </a:r>
-            <a:r>
-              <a:rPr lang="ru-RU" altLang="en-US">
-                <a:solidFill>
-                  <a:schemeClr val="bg1"/>
-                </a:solidFill>
-              </a:rPr>
-              <a:t>.</a:t>
-            </a:r>
-            <a:endParaRPr lang="ru-RU" altLang="en-US">
-              <a:solidFill>
-                <a:schemeClr val="bg1"/>
-              </a:solidFill>
-            </a:endParaRPr>
-          </a:p>
-          <a:p>
-            <a:pPr algn="just"/>
-            <a:r>
-              <a:rPr lang="ru-RU" altLang="en-US">
-                <a:solidFill>
-                  <a:schemeClr val="bg1"/>
-                </a:solidFill>
-              </a:rPr>
-              <a:t>При разработке проекта были реализованы следующие пункты:</a:t>
-            </a:r>
-            <a:endParaRPr lang="ru-RU" altLang="en-US">
-              <a:solidFill>
-                <a:schemeClr val="bg1"/>
-              </a:solidFill>
-            </a:endParaRPr>
+            <a:pPr algn="ctr"/>
+            <a:endParaRPr lang="ru-RU" altLang="en-US" sz="2800"/>
           </a:p>
         </p:txBody>
       </p:sp>
@@ -5014,22 +5584,6 @@
 <file path=ppt/slides/slide5.xml><?xml version="1.0" encoding="utf-8"?>
 <p:sld xmlns:a="http://schemas.openxmlformats.org/drawingml/2006/main" xmlns:r="http://schemas.openxmlformats.org/officeDocument/2006/relationships" xmlns:p="http://schemas.openxmlformats.org/presentationml/2006/main">
   <p:cSld>
-    <p:bg>
-      <p:bgPr>
-        <a:gradFill>
-          <a:gsLst>
-            <a:gs pos="0">
-              <a:srgbClr val="FE4444"/>
-            </a:gs>
-            <a:gs pos="100000">
-              <a:srgbClr val="832B2B"/>
-            </a:gs>
-          </a:gsLst>
-          <a:lin scaled="0"/>
-        </a:gradFill>
-        <a:effectLst/>
-      </p:bgPr>
-    </p:bg>
     <p:spTree>
       <p:nvGrpSpPr>
         <p:cNvPr id="1" name=""/>
@@ -5065,30 +5619,6 @@
                 <a:schemeClr val="bg1"/>
               </a:solidFill>
             </a:endParaRPr>
-          </a:p>
-        </p:txBody>
-      </p:sp>
-      <p:sp>
-        <p:nvSpPr>
-          <p:cNvPr id="3" name="Замещающее содержимое 2"/>
-          <p:cNvSpPr>
-            <a:spLocks noGrp="1"/>
-          </p:cNvSpPr>
-          <p:nvPr>
-            <p:ph idx="1"/>
-          </p:nvPr>
-        </p:nvSpPr>
-        <p:spPr/>
-        <p:txBody>
-          <a:bodyPr/>
-          <a:p>
-            <a:r>
-              <a:rPr lang="ru-RU" altLang="en-US">
-                <a:sym typeface="+mn-ea"/>
-              </a:rPr>
-              <a:t> </a:t>
-            </a:r>
-            <a:endParaRPr lang="ru-RU" altLang="en-US"/>
           </a:p>
         </p:txBody>
       </p:sp>
@@ -5109,7 +5639,7 @@
         </p:blipFill>
         <p:spPr>
           <a:xfrm>
-            <a:off x="3412490" y="2715895"/>
+            <a:off x="3412490" y="1825625"/>
             <a:ext cx="4986655" cy="1771650"/>
           </a:xfrm>
           <a:prstGeom prst="rect">
@@ -5120,6 +5650,131 @@
               <a:schemeClr val="bg1"/>
             </a:solidFill>
           </a:ln>
+        </p:spPr>
+      </p:pic>
+      <p:pic>
+        <p:nvPicPr>
+          <p:cNvPr id="14" name="Изображение 13" descr="Vancouver"/>
+          <p:cNvPicPr>
+            <a:picLocks noChangeAspect="1"/>
+          </p:cNvPicPr>
+          <p:nvPr/>
+        </p:nvPicPr>
+        <p:blipFill>
+          <a:blip r:embed="rId2"/>
+          <a:srcRect/>
+          <a:stretch>
+            <a:fillRect/>
+          </a:stretch>
+        </p:blipFill>
+        <p:spPr>
+          <a:xfrm>
+            <a:off x="612775" y="1797050"/>
+            <a:ext cx="2799999" cy="1800000"/>
+          </a:xfrm>
+          <a:prstGeom prst="rect">
+            <a:avLst/>
+          </a:prstGeom>
+        </p:spPr>
+      </p:pic>
+      <p:pic>
+        <p:nvPicPr>
+          <p:cNvPr id="15" name="Изображение 14" descr="Vancouver"/>
+          <p:cNvPicPr>
+            <a:picLocks noChangeAspect="1"/>
+          </p:cNvPicPr>
+          <p:nvPr/>
+        </p:nvPicPr>
+        <p:blipFill>
+          <a:blip r:embed="rId2"/>
+          <a:srcRect/>
+          <a:stretch>
+            <a:fillRect/>
+          </a:stretch>
+        </p:blipFill>
+        <p:spPr>
+          <a:xfrm>
+            <a:off x="1705610" y="3791585"/>
+            <a:ext cx="2799999" cy="1800000"/>
+          </a:xfrm>
+          <a:prstGeom prst="rect">
+            <a:avLst/>
+          </a:prstGeom>
+        </p:spPr>
+      </p:pic>
+      <p:pic>
+        <p:nvPicPr>
+          <p:cNvPr id="16" name="Изображение 15" descr="Vancouver"/>
+          <p:cNvPicPr>
+            <a:picLocks noChangeAspect="1"/>
+          </p:cNvPicPr>
+          <p:nvPr/>
+        </p:nvPicPr>
+        <p:blipFill>
+          <a:blip r:embed="rId2"/>
+          <a:srcRect/>
+          <a:stretch>
+            <a:fillRect/>
+          </a:stretch>
+        </p:blipFill>
+        <p:spPr>
+          <a:xfrm>
+            <a:off x="4505325" y="3791585"/>
+            <a:ext cx="2799999" cy="1800000"/>
+          </a:xfrm>
+          <a:prstGeom prst="rect">
+            <a:avLst/>
+          </a:prstGeom>
+        </p:spPr>
+      </p:pic>
+      <p:pic>
+        <p:nvPicPr>
+          <p:cNvPr id="17" name="Изображение 16" descr="Vancouver"/>
+          <p:cNvPicPr>
+            <a:picLocks noChangeAspect="1"/>
+          </p:cNvPicPr>
+          <p:nvPr/>
+        </p:nvPicPr>
+        <p:blipFill>
+          <a:blip r:embed="rId2"/>
+          <a:srcRect/>
+          <a:stretch>
+            <a:fillRect/>
+          </a:stretch>
+        </p:blipFill>
+        <p:spPr>
+          <a:xfrm flipH="1">
+            <a:off x="8399145" y="1787525"/>
+            <a:ext cx="2799999" cy="1800000"/>
+          </a:xfrm>
+          <a:prstGeom prst="rect">
+            <a:avLst/>
+          </a:prstGeom>
+        </p:spPr>
+      </p:pic>
+      <p:pic>
+        <p:nvPicPr>
+          <p:cNvPr id="18" name="Изображение 17" descr="Vancouver"/>
+          <p:cNvPicPr>
+            <a:picLocks noChangeAspect="1"/>
+          </p:cNvPicPr>
+          <p:nvPr/>
+        </p:nvPicPr>
+        <p:blipFill>
+          <a:blip r:embed="rId2"/>
+          <a:srcRect/>
+          <a:stretch>
+            <a:fillRect/>
+          </a:stretch>
+        </p:blipFill>
+        <p:spPr>
+          <a:xfrm flipH="1">
+            <a:off x="7305040" y="3791585"/>
+            <a:ext cx="2799999" cy="1800000"/>
+          </a:xfrm>
+          <a:prstGeom prst="rect">
+            <a:avLst/>
+          </a:prstGeom>
         </p:spPr>
       </p:pic>
     </p:spTree>
@@ -5133,22 +5788,6 @@
 <file path=ppt/slides/slide6.xml><?xml version="1.0" encoding="utf-8"?>
 <p:sld xmlns:a="http://schemas.openxmlformats.org/drawingml/2006/main" xmlns:r="http://schemas.openxmlformats.org/officeDocument/2006/relationships" xmlns:p="http://schemas.openxmlformats.org/presentationml/2006/main">
   <p:cSld>
-    <p:bg>
-      <p:bgPr>
-        <a:gradFill>
-          <a:gsLst>
-            <a:gs pos="0">
-              <a:srgbClr val="FE4444"/>
-            </a:gs>
-            <a:gs pos="100000">
-              <a:srgbClr val="832B2B"/>
-            </a:gs>
-          </a:gsLst>
-          <a:lin scaled="0"/>
-        </a:gradFill>
-        <a:effectLst/>
-      </p:bgPr>
-    </p:bg>
     <p:spTree>
       <p:nvGrpSpPr>
         <p:cNvPr id="1" name=""/>
@@ -5187,60 +5826,6 @@
                 <a:schemeClr val="bg1"/>
               </a:solidFill>
               <a:sym typeface="+mn-ea"/>
-            </a:endParaRPr>
-          </a:p>
-        </p:txBody>
-      </p:sp>
-      <p:sp>
-        <p:nvSpPr>
-          <p:cNvPr id="5" name="Текстовое поле 4"/>
-          <p:cNvSpPr txBox="1"/>
-          <p:nvPr/>
-        </p:nvSpPr>
-        <p:spPr>
-          <a:xfrm>
-            <a:off x="3872865" y="5918200"/>
-            <a:ext cx="4064000" cy="368300"/>
-          </a:xfrm>
-          <a:prstGeom prst="rect">
-            <a:avLst/>
-          </a:prstGeom>
-          <a:noFill/>
-        </p:spPr>
-        <p:txBody>
-          <a:bodyPr wrap="square" rtlCol="0">
-            <a:spAutoFit/>
-          </a:bodyPr>
-          <a:p>
-            <a:pPr algn="ctr"/>
-            <a:r>
-              <a:rPr lang="ru-RU" altLang="ru-RU">
-                <a:solidFill>
-                  <a:schemeClr val="bg1"/>
-                </a:solidFill>
-              </a:rPr>
-              <a:t>Рис. 1. Страница веб-сайта «</a:t>
-            </a:r>
-            <a:r>
-              <a:rPr lang="en-US" altLang="ru-RU">
-                <a:solidFill>
-                  <a:schemeClr val="bg1"/>
-                </a:solidFill>
-              </a:rPr>
-              <a:t>Zamokat</a:t>
-            </a:r>
-            <a:r>
-              <a:rPr lang="ru-RU" altLang="ru-RU">
-                <a:solidFill>
-                  <a:schemeClr val="bg1"/>
-                </a:solidFill>
-              </a:rPr>
-              <a:t>»</a:t>
-            </a:r>
-            <a:endParaRPr lang="ru-RU" altLang="ru-RU">
-              <a:solidFill>
-                <a:schemeClr val="bg1"/>
-              </a:solidFill>
             </a:endParaRPr>
           </a:p>
         </p:txBody>
@@ -5275,6 +5860,80 @@
           </a:ln>
         </p:spPr>
       </p:pic>
+      <p:sp>
+        <p:nvSpPr>
+          <p:cNvPr id="3" name="Скругленный прямоугольник 2"/>
+          <p:cNvSpPr/>
+          <p:nvPr/>
+        </p:nvSpPr>
+        <p:spPr>
+          <a:xfrm>
+            <a:off x="4064000" y="5918200"/>
+            <a:ext cx="4064635" cy="368300"/>
+          </a:xfrm>
+          <a:prstGeom prst="roundRect">
+            <a:avLst/>
+          </a:prstGeom>
+          <a:solidFill>
+            <a:srgbClr val="051C2C"/>
+          </a:solidFill>
+          <a:ln>
+            <a:solidFill>
+              <a:schemeClr val="bg1"/>
+            </a:solidFill>
+          </a:ln>
+        </p:spPr>
+        <p:style>
+          <a:lnRef idx="2">
+            <a:schemeClr val="accent1">
+              <a:lumMod val="75000"/>
+            </a:schemeClr>
+          </a:lnRef>
+          <a:fillRef idx="1">
+            <a:schemeClr val="accent1"/>
+          </a:fillRef>
+          <a:effectRef idx="0">
+            <a:srgbClr val="FFFFFF"/>
+          </a:effectRef>
+          <a:fontRef idx="minor">
+            <a:schemeClr val="lt1"/>
+          </a:fontRef>
+        </p:style>
+        <p:txBody>
+          <a:bodyPr rtlCol="0" anchor="ctr"/>
+          <a:p>
+            <a:pPr algn="ctr"/>
+            <a:r>
+              <a:rPr lang="ru-RU" altLang="ru-RU">
+                <a:solidFill>
+                  <a:schemeClr val="bg1"/>
+                </a:solidFill>
+                <a:sym typeface="+mn-ea"/>
+              </a:rPr>
+              <a:t>Рис. 1. Страница веб-сайта «</a:t>
+            </a:r>
+            <a:r>
+              <a:rPr lang="en-US" altLang="ru-RU">
+                <a:solidFill>
+                  <a:schemeClr val="bg1"/>
+                </a:solidFill>
+                <a:sym typeface="+mn-ea"/>
+              </a:rPr>
+              <a:t>Zamokat</a:t>
+            </a:r>
+            <a:r>
+              <a:rPr lang="ru-RU" altLang="ru-RU">
+                <a:solidFill>
+                  <a:schemeClr val="bg1"/>
+                </a:solidFill>
+                <a:sym typeface="+mn-ea"/>
+              </a:rPr>
+              <a:t>»</a:t>
+            </a:r>
+            <a:endParaRPr lang="ru-RU" altLang="en-US"/>
+          </a:p>
+        </p:txBody>
+      </p:sp>
     </p:spTree>
   </p:cSld>
   <p:clrMapOvr>
@@ -5286,22 +5945,6 @@
 <file path=ppt/slides/slide7.xml><?xml version="1.0" encoding="utf-8"?>
 <p:sld xmlns:a="http://schemas.openxmlformats.org/drawingml/2006/main" xmlns:r="http://schemas.openxmlformats.org/officeDocument/2006/relationships" xmlns:p="http://schemas.openxmlformats.org/presentationml/2006/main">
   <p:cSld>
-    <p:bg>
-      <p:bgPr>
-        <a:gradFill>
-          <a:gsLst>
-            <a:gs pos="0">
-              <a:srgbClr val="FE4444"/>
-            </a:gs>
-            <a:gs pos="100000">
-              <a:srgbClr val="832B2B"/>
-            </a:gs>
-          </a:gsLst>
-          <a:lin scaled="0"/>
-        </a:gradFill>
-        <a:effectLst/>
-      </p:bgPr>
-    </p:bg>
     <p:spTree>
       <p:nvGrpSpPr>
         <p:cNvPr id="1" name=""/>
@@ -5329,61 +5972,6 @@
                 <a:schemeClr val="bg1"/>
               </a:solidFill>
               <a:sym typeface="+mn-ea"/>
-            </a:endParaRPr>
-          </a:p>
-        </p:txBody>
-      </p:sp>
-      <p:sp>
-        <p:nvSpPr>
-          <p:cNvPr id="8" name="Текстовое поле 7"/>
-          <p:cNvSpPr txBox="1"/>
-          <p:nvPr/>
-        </p:nvSpPr>
-        <p:spPr>
-          <a:xfrm>
-            <a:off x="2112645" y="4780280"/>
-            <a:ext cx="7585710" cy="368300"/>
-          </a:xfrm>
-          <a:prstGeom prst="rect">
-            <a:avLst/>
-          </a:prstGeom>
-          <a:noFill/>
-        </p:spPr>
-        <p:txBody>
-          <a:bodyPr wrap="square" rtlCol="0">
-            <a:spAutoFit/>
-          </a:bodyPr>
-          <a:p>
-            <a:pPr algn="ctr"/>
-            <a:r>
-              <a:rPr lang="ru-RU" altLang="ru-RU">
-                <a:solidFill>
-                  <a:schemeClr val="bg1"/>
-                </a:solidFill>
-              </a:rPr>
-              <a:t>Рис. 2. Добавление в базу данных склада для хранения заказов «</a:t>
-            </a:r>
-            <a:r>
-              <a:rPr lang="en-US" altLang="ru-RU">
-                <a:solidFill>
-                  <a:schemeClr val="bg1"/>
-                </a:solidFill>
-                <a:sym typeface="+mn-ea"/>
-              </a:rPr>
-              <a:t>Zamokat</a:t>
-            </a:r>
-            <a:r>
-              <a:rPr lang="ru-RU" altLang="ru-RU">
-                <a:solidFill>
-                  <a:schemeClr val="bg1"/>
-                </a:solidFill>
-              </a:rPr>
-              <a:t>»</a:t>
-            </a:r>
-            <a:endParaRPr lang="ru-RU" altLang="ru-RU">
-              <a:solidFill>
-                <a:schemeClr val="bg1"/>
-              </a:solidFill>
             </a:endParaRPr>
           </a:p>
         </p:txBody>
@@ -5436,6 +6024,152 @@
           <a:xfrm>
             <a:off x="5981700" y="1584325"/>
             <a:ext cx="5181600" cy="2922270"/>
+          </a:xfrm>
+          <a:prstGeom prst="rect">
+            <a:avLst/>
+          </a:prstGeom>
+        </p:spPr>
+      </p:pic>
+      <p:sp>
+        <p:nvSpPr>
+          <p:cNvPr id="3" name="Скругленный прямоугольник 2"/>
+          <p:cNvSpPr/>
+          <p:nvPr/>
+        </p:nvSpPr>
+        <p:spPr>
+          <a:xfrm>
+            <a:off x="2113280" y="4780280"/>
+            <a:ext cx="7585075" cy="368300"/>
+          </a:xfrm>
+          <a:prstGeom prst="roundRect">
+            <a:avLst/>
+          </a:prstGeom>
+          <a:solidFill>
+            <a:srgbClr val="051C2C"/>
+          </a:solidFill>
+          <a:ln>
+            <a:solidFill>
+              <a:schemeClr val="bg1"/>
+            </a:solidFill>
+          </a:ln>
+        </p:spPr>
+        <p:style>
+          <a:lnRef idx="2">
+            <a:schemeClr val="accent1">
+              <a:lumMod val="75000"/>
+            </a:schemeClr>
+          </a:lnRef>
+          <a:fillRef idx="1">
+            <a:schemeClr val="accent1"/>
+          </a:fillRef>
+          <a:effectRef idx="0">
+            <a:srgbClr val="FFFFFF"/>
+          </a:effectRef>
+          <a:fontRef idx="minor">
+            <a:schemeClr val="lt1"/>
+          </a:fontRef>
+        </p:style>
+        <p:txBody>
+          <a:bodyPr rtlCol="0" anchor="ctr"/>
+          <a:p>
+            <a:pPr algn="ctr"/>
+            <a:r>
+              <a:rPr lang="ru-RU" altLang="ru-RU">
+                <a:solidFill>
+                  <a:schemeClr val="bg1"/>
+                </a:solidFill>
+                <a:sym typeface="+mn-ea"/>
+              </a:rPr>
+              <a:t>Рис. 2. Добавление в базу данных склада для хранения заказов «</a:t>
+            </a:r>
+            <a:r>
+              <a:rPr lang="en-US" altLang="ru-RU">
+                <a:solidFill>
+                  <a:schemeClr val="bg1"/>
+                </a:solidFill>
+                <a:sym typeface="+mn-ea"/>
+              </a:rPr>
+              <a:t>Zamokat</a:t>
+            </a:r>
+            <a:r>
+              <a:rPr lang="ru-RU" altLang="ru-RU">
+                <a:solidFill>
+                  <a:schemeClr val="bg1"/>
+                </a:solidFill>
+                <a:sym typeface="+mn-ea"/>
+              </a:rPr>
+              <a:t>»</a:t>
+            </a:r>
+            <a:endParaRPr lang="ru-RU" altLang="en-US"/>
+          </a:p>
+        </p:txBody>
+      </p:sp>
+      <p:pic>
+        <p:nvPicPr>
+          <p:cNvPr id="2" name="Изображение 1" descr="Detroit"/>
+          <p:cNvPicPr>
+            <a:picLocks noChangeAspect="1"/>
+          </p:cNvPicPr>
+          <p:nvPr/>
+        </p:nvPicPr>
+        <p:blipFill>
+          <a:blip r:embed="rId3"/>
+          <a:stretch>
+            <a:fillRect/>
+          </a:stretch>
+        </p:blipFill>
+        <p:spPr>
+          <a:xfrm>
+            <a:off x="9392285" y="5057775"/>
+            <a:ext cx="2800000" cy="1800000"/>
+          </a:xfrm>
+          <a:prstGeom prst="rect">
+            <a:avLst/>
+          </a:prstGeom>
+        </p:spPr>
+      </p:pic>
+      <p:pic>
+        <p:nvPicPr>
+          <p:cNvPr id="6" name="Изображение 5" descr="Detroit"/>
+          <p:cNvPicPr>
+            <a:picLocks noChangeAspect="1"/>
+          </p:cNvPicPr>
+          <p:nvPr/>
+        </p:nvPicPr>
+        <p:blipFill>
+          <a:blip r:embed="rId3"/>
+          <a:stretch>
+            <a:fillRect/>
+          </a:stretch>
+        </p:blipFill>
+        <p:spPr>
+          <a:xfrm>
+            <a:off x="0" y="5057775"/>
+            <a:ext cx="2800000" cy="1800000"/>
+          </a:xfrm>
+          <a:prstGeom prst="rect">
+            <a:avLst/>
+          </a:prstGeom>
+        </p:spPr>
+      </p:pic>
+      <p:pic>
+        <p:nvPicPr>
+          <p:cNvPr id="7" name="Изображение 6" descr="Detroit"/>
+          <p:cNvPicPr>
+            <a:picLocks noChangeAspect="1"/>
+          </p:cNvPicPr>
+          <p:nvPr/>
+        </p:nvPicPr>
+        <p:blipFill>
+          <a:blip r:embed="rId3"/>
+          <a:stretch>
+            <a:fillRect/>
+          </a:stretch>
+        </p:blipFill>
+        <p:spPr>
+          <a:xfrm>
+            <a:off x="4505325" y="5057775"/>
+            <a:ext cx="2800000" cy="1800000"/>
           </a:xfrm>
           <a:prstGeom prst="rect">
             <a:avLst/>
@@ -5453,22 +6187,6 @@
 <file path=ppt/slides/slide8.xml><?xml version="1.0" encoding="utf-8"?>
 <p:sld xmlns:a="http://schemas.openxmlformats.org/drawingml/2006/main" xmlns:r="http://schemas.openxmlformats.org/officeDocument/2006/relationships" xmlns:p="http://schemas.openxmlformats.org/presentationml/2006/main">
   <p:cSld>
-    <p:bg>
-      <p:bgPr>
-        <a:gradFill>
-          <a:gsLst>
-            <a:gs pos="0">
-              <a:srgbClr val="FE4444"/>
-            </a:gs>
-            <a:gs pos="100000">
-              <a:srgbClr val="832B2B"/>
-            </a:gs>
-          </a:gsLst>
-          <a:lin scaled="0"/>
-        </a:gradFill>
-        <a:effectLst/>
-      </p:bgPr>
-    </p:bg>
     <p:spTree>
       <p:nvGrpSpPr>
         <p:cNvPr id="1" name=""/>
@@ -5597,6 +6315,152 @@
           <a:xfrm>
             <a:off x="5982335" y="1584325"/>
             <a:ext cx="5180965" cy="2915920"/>
+          </a:xfrm>
+          <a:prstGeom prst="rect">
+            <a:avLst/>
+          </a:prstGeom>
+        </p:spPr>
+      </p:pic>
+      <p:sp>
+        <p:nvSpPr>
+          <p:cNvPr id="3" name="Скругленный прямоугольник 2"/>
+          <p:cNvSpPr/>
+          <p:nvPr/>
+        </p:nvSpPr>
+        <p:spPr>
+          <a:xfrm>
+            <a:off x="2791460" y="4749800"/>
+            <a:ext cx="6228080" cy="368300"/>
+          </a:xfrm>
+          <a:prstGeom prst="roundRect">
+            <a:avLst/>
+          </a:prstGeom>
+          <a:solidFill>
+            <a:srgbClr val="051C2C"/>
+          </a:solidFill>
+          <a:ln>
+            <a:solidFill>
+              <a:schemeClr val="bg1"/>
+            </a:solidFill>
+          </a:ln>
+        </p:spPr>
+        <p:style>
+          <a:lnRef idx="2">
+            <a:schemeClr val="accent1">
+              <a:lumMod val="75000"/>
+            </a:schemeClr>
+          </a:lnRef>
+          <a:fillRef idx="1">
+            <a:schemeClr val="accent1"/>
+          </a:fillRef>
+          <a:effectRef idx="0">
+            <a:srgbClr val="FFFFFF"/>
+          </a:effectRef>
+          <a:fontRef idx="minor">
+            <a:schemeClr val="lt1"/>
+          </a:fontRef>
+        </p:style>
+        <p:txBody>
+          <a:bodyPr rtlCol="0" anchor="ctr"/>
+          <a:p>
+            <a:pPr algn="ctr"/>
+            <a:r>
+              <a:rPr lang="ru-RU" altLang="ru-RU">
+                <a:solidFill>
+                  <a:schemeClr val="bg1"/>
+                </a:solidFill>
+                <a:sym typeface="+mn-ea"/>
+              </a:rPr>
+              <a:t>Рис. 3. Добавление в базу данных дрона-курьера «</a:t>
+            </a:r>
+            <a:r>
+              <a:rPr lang="en-US" altLang="ru-RU">
+                <a:solidFill>
+                  <a:schemeClr val="bg1"/>
+                </a:solidFill>
+                <a:sym typeface="+mn-ea"/>
+              </a:rPr>
+              <a:t>Zamokat</a:t>
+            </a:r>
+            <a:r>
+              <a:rPr lang="ru-RU" altLang="ru-RU">
+                <a:solidFill>
+                  <a:schemeClr val="bg1"/>
+                </a:solidFill>
+                <a:sym typeface="+mn-ea"/>
+              </a:rPr>
+              <a:t>»</a:t>
+            </a:r>
+            <a:endParaRPr lang="ru-RU" altLang="en-US"/>
+          </a:p>
+        </p:txBody>
+      </p:sp>
+      <p:pic>
+        <p:nvPicPr>
+          <p:cNvPr id="6" name="Изображение 5" descr="Columbus"/>
+          <p:cNvPicPr>
+            <a:picLocks noChangeAspect="1"/>
+          </p:cNvPicPr>
+          <p:nvPr/>
+        </p:nvPicPr>
+        <p:blipFill>
+          <a:blip r:embed="rId3"/>
+          <a:stretch>
+            <a:fillRect/>
+          </a:stretch>
+        </p:blipFill>
+        <p:spPr>
+          <a:xfrm>
+            <a:off x="4785360" y="5118100"/>
+            <a:ext cx="2240000" cy="1440000"/>
+          </a:xfrm>
+          <a:prstGeom prst="rect">
+            <a:avLst/>
+          </a:prstGeom>
+        </p:spPr>
+      </p:pic>
+      <p:pic>
+        <p:nvPicPr>
+          <p:cNvPr id="7" name="Изображение 6" descr="Columbus"/>
+          <p:cNvPicPr>
+            <a:picLocks noChangeAspect="1"/>
+          </p:cNvPicPr>
+          <p:nvPr/>
+        </p:nvPicPr>
+        <p:blipFill>
+          <a:blip r:embed="rId3"/>
+          <a:stretch>
+            <a:fillRect/>
+          </a:stretch>
+        </p:blipFill>
+        <p:spPr>
+          <a:xfrm>
+            <a:off x="647700" y="5118100"/>
+            <a:ext cx="2240000" cy="1440000"/>
+          </a:xfrm>
+          <a:prstGeom prst="rect">
+            <a:avLst/>
+          </a:prstGeom>
+        </p:spPr>
+      </p:pic>
+      <p:pic>
+        <p:nvPicPr>
+          <p:cNvPr id="10" name="Изображение 9" descr="Columbus"/>
+          <p:cNvPicPr>
+            <a:picLocks noChangeAspect="1"/>
+          </p:cNvPicPr>
+          <p:nvPr/>
+        </p:nvPicPr>
+        <p:blipFill>
+          <a:blip r:embed="rId3"/>
+          <a:stretch>
+            <a:fillRect/>
+          </a:stretch>
+        </p:blipFill>
+        <p:spPr>
+          <a:xfrm>
+            <a:off x="8923020" y="5118100"/>
+            <a:ext cx="2240000" cy="1440000"/>
           </a:xfrm>
           <a:prstGeom prst="rect">
             <a:avLst/>
@@ -5614,22 +6478,6 @@
 <file path=ppt/slides/slide9.xml><?xml version="1.0" encoding="utf-8"?>
 <p:sld xmlns:a="http://schemas.openxmlformats.org/drawingml/2006/main" xmlns:r="http://schemas.openxmlformats.org/officeDocument/2006/relationships" xmlns:p="http://schemas.openxmlformats.org/presentationml/2006/main">
   <p:cSld>
-    <p:bg>
-      <p:bgPr>
-        <a:gradFill>
-          <a:gsLst>
-            <a:gs pos="0">
-              <a:srgbClr val="FE4444"/>
-            </a:gs>
-            <a:gs pos="100000">
-              <a:srgbClr val="832B2B"/>
-            </a:gs>
-          </a:gsLst>
-          <a:lin scaled="0"/>
-        </a:gradFill>
-        <a:effectLst/>
-      </p:bgPr>
-    </p:bg>
     <p:spTree>
       <p:nvGrpSpPr>
         <p:cNvPr id="1" name=""/>
@@ -5776,6 +6624,170 @@
           <a:xfrm>
             <a:off x="6096000" y="1583690"/>
             <a:ext cx="5078730" cy="2898775"/>
+          </a:xfrm>
+          <a:prstGeom prst="rect">
+            <a:avLst/>
+          </a:prstGeom>
+        </p:spPr>
+      </p:pic>
+      <p:sp>
+        <p:nvSpPr>
+          <p:cNvPr id="4" name="Скругленный прямоугольник 3"/>
+          <p:cNvSpPr/>
+          <p:nvPr/>
+        </p:nvSpPr>
+        <p:spPr>
+          <a:xfrm>
+            <a:off x="2791460" y="4749800"/>
+            <a:ext cx="6228715" cy="368300"/>
+          </a:xfrm>
+          <a:prstGeom prst="roundRect">
+            <a:avLst/>
+          </a:prstGeom>
+          <a:solidFill>
+            <a:srgbClr val="051C2C"/>
+          </a:solidFill>
+          <a:ln>
+            <a:solidFill>
+              <a:schemeClr val="bg1"/>
+            </a:solidFill>
+          </a:ln>
+        </p:spPr>
+        <p:style>
+          <a:lnRef idx="2">
+            <a:schemeClr val="accent1">
+              <a:lumMod val="75000"/>
+            </a:schemeClr>
+          </a:lnRef>
+          <a:fillRef idx="1">
+            <a:schemeClr val="accent1"/>
+          </a:fillRef>
+          <a:effectRef idx="0">
+            <a:srgbClr val="FFFFFF"/>
+          </a:effectRef>
+          <a:fontRef idx="minor">
+            <a:schemeClr val="lt1"/>
+          </a:fontRef>
+        </p:style>
+        <p:txBody>
+          <a:bodyPr rtlCol="0" anchor="ctr"/>
+          <a:p>
+            <a:pPr algn="ctr"/>
+            <a:r>
+              <a:rPr lang="ru-RU" altLang="ru-RU">
+                <a:solidFill>
+                  <a:schemeClr val="bg1"/>
+                </a:solidFill>
+                <a:sym typeface="+mn-ea"/>
+              </a:rPr>
+              <a:t>Рис. 4. Добавление</a:t>
+            </a:r>
+            <a:r>
+              <a:rPr lang="ru-RU" altLang="ru-RU">
+                <a:solidFill>
+                  <a:schemeClr val="bg1"/>
+                </a:solidFill>
+                <a:sym typeface="+mn-ea"/>
+              </a:rPr>
+              <a:t> заказа </a:t>
+            </a:r>
+            <a:r>
+              <a:rPr lang="ru-RU" altLang="ru-RU">
+                <a:solidFill>
+                  <a:schemeClr val="bg1"/>
+                </a:solidFill>
+                <a:sym typeface="+mn-ea"/>
+              </a:rPr>
+              <a:t>в базу данных «</a:t>
+            </a:r>
+            <a:r>
+              <a:rPr lang="en-US" altLang="ru-RU">
+                <a:solidFill>
+                  <a:schemeClr val="bg1"/>
+                </a:solidFill>
+                <a:sym typeface="+mn-ea"/>
+              </a:rPr>
+              <a:t>Zamokat</a:t>
+            </a:r>
+            <a:r>
+              <a:rPr lang="ru-RU" altLang="ru-RU">
+                <a:solidFill>
+                  <a:schemeClr val="bg1"/>
+                </a:solidFill>
+                <a:sym typeface="+mn-ea"/>
+              </a:rPr>
+              <a:t>»</a:t>
+            </a:r>
+            <a:endParaRPr lang="ru-RU" altLang="en-US"/>
+          </a:p>
+        </p:txBody>
+      </p:sp>
+      <p:pic>
+        <p:nvPicPr>
+          <p:cNvPr id="6" name="Изображение 5" descr="St.Louis"/>
+          <p:cNvPicPr>
+            <a:picLocks noChangeAspect="1"/>
+          </p:cNvPicPr>
+          <p:nvPr/>
+        </p:nvPicPr>
+        <p:blipFill>
+          <a:blip r:embed="rId3"/>
+          <a:stretch>
+            <a:fillRect/>
+          </a:stretch>
+        </p:blipFill>
+        <p:spPr>
+          <a:xfrm>
+            <a:off x="647700" y="5118100"/>
+            <a:ext cx="2240000" cy="1440000"/>
+          </a:xfrm>
+          <a:prstGeom prst="rect">
+            <a:avLst/>
+          </a:prstGeom>
+        </p:spPr>
+      </p:pic>
+      <p:pic>
+        <p:nvPicPr>
+          <p:cNvPr id="10" name="Изображение 9" descr="St.Louis"/>
+          <p:cNvPicPr>
+            <a:picLocks noChangeAspect="1"/>
+          </p:cNvPicPr>
+          <p:nvPr/>
+        </p:nvPicPr>
+        <p:blipFill>
+          <a:blip r:embed="rId3"/>
+          <a:stretch>
+            <a:fillRect/>
+          </a:stretch>
+        </p:blipFill>
+        <p:spPr>
+          <a:xfrm>
+            <a:off x="4785995" y="5118100"/>
+            <a:ext cx="2240000" cy="1440000"/>
+          </a:xfrm>
+          <a:prstGeom prst="rect">
+            <a:avLst/>
+          </a:prstGeom>
+        </p:spPr>
+      </p:pic>
+      <p:pic>
+        <p:nvPicPr>
+          <p:cNvPr id="11" name="Изображение 10" descr="St.Louis"/>
+          <p:cNvPicPr>
+            <a:picLocks noChangeAspect="1"/>
+          </p:cNvPicPr>
+          <p:nvPr/>
+        </p:nvPicPr>
+        <p:blipFill>
+          <a:blip r:embed="rId3"/>
+          <a:stretch>
+            <a:fillRect/>
+          </a:stretch>
+        </p:blipFill>
+        <p:spPr>
+          <a:xfrm>
+            <a:off x="8934450" y="5118100"/>
+            <a:ext cx="2240000" cy="1440000"/>
           </a:xfrm>
           <a:prstGeom prst="rect">
             <a:avLst/>
